--- a/Abschluss-Praesentation/vorlage.pptx
+++ b/Abschluss-Praesentation/vorlage.pptx
@@ -206,7 +206,7 @@
             <a:fld id="{3AF138D4-E06A-4D92-B176-75A0C7906805}" type="datetimeFigureOut">
               <a:rPr lang="de-DE" smtClean="0"/>
               <a:pPr/>
-              <a:t>09.07.2012</a:t>
+              <a:t>10.07.2012</a:t>
             </a:fld>
             <a:endParaRPr lang="de-DE"/>
           </a:p>
@@ -3572,18 +3572,10 @@
         </p:spPr>
         <p:txBody>
           <a:bodyPr>
-            <a:normAutofit fontScale="90000"/>
+            <a:normAutofit/>
           </a:bodyPr>
           <a:lstStyle/>
           <a:p>
-            <a:r>
-              <a:rPr lang="de-DE" dirty="0" smtClean="0"/>
-              <a:t>Lösungsansätze für Applikationen zur Erleichterung des intermodalen Reisens bei der </a:t>
-            </a:r>
-            <a:r>
-              <a:rPr lang="de-DE" dirty="0" err="1" smtClean="0"/>
-              <a:t>Carmeq</a:t>
-            </a:r>
             <a:endParaRPr lang="de-DE" dirty="0"/>
           </a:p>
         </p:txBody>
@@ -3701,6 +3693,32 @@
           </a:p>
         </p:txBody>
       </p:sp>
+      <p:pic>
+        <p:nvPicPr>
+          <p:cNvPr id="5" name="Picture 2" descr="C:\Users\Sebastian Schulz\Documents\FU Berlin\4.Sem\gKPWT\taximob\public\img\logo.png"/>
+          <p:cNvPicPr>
+            <a:picLocks noChangeAspect="1" noChangeArrowheads="1"/>
+          </p:cNvPicPr>
+          <p:nvPr/>
+        </p:nvPicPr>
+        <p:blipFill>
+          <a:blip r:embed="rId2" cstate="print"/>
+          <a:srcRect/>
+          <a:stretch>
+            <a:fillRect/>
+          </a:stretch>
+        </p:blipFill>
+        <p:spPr bwMode="auto">
+          <a:xfrm>
+            <a:off x="1134665" y="1775561"/>
+            <a:ext cx="7037735" cy="1437415"/>
+          </a:xfrm>
+          <a:prstGeom prst="rect">
+            <a:avLst/>
+          </a:prstGeom>
+          <a:noFill/>
+        </p:spPr>
+      </p:pic>
     </p:spTree>
   </p:cSld>
   <p:clrMapOvr>
@@ -3975,7 +3993,6 @@
               <a:rPr lang="de-DE" dirty="0" smtClean="0"/>
               <a:t> - Webservice</a:t>
             </a:r>
-            <a:endParaRPr lang="de-DE" dirty="0" smtClean="0"/>
           </a:p>
           <a:p>
             <a:pPr marL="457200" indent="-457200">
@@ -4031,7 +4048,6 @@
               <a:rPr lang="de-DE" dirty="0" smtClean="0"/>
               <a:t>Diskussion</a:t>
             </a:r>
-            <a:endParaRPr lang="de-DE" dirty="0" smtClean="0"/>
           </a:p>
         </p:txBody>
       </p:sp>
@@ -4913,13 +4929,8 @@
             </a:pPr>
             <a:r>
               <a:rPr lang="de-DE" dirty="0" smtClean="0"/>
-              <a:t>Fakten </a:t>
-            </a:r>
-            <a:r>
-              <a:rPr lang="de-DE" dirty="0" smtClean="0"/>
-              <a:t>zum Projekt</a:t>
-            </a:r>
-            <a:endParaRPr lang="de-DE" dirty="0" smtClean="0"/>
+              <a:t>Fakten zum Projekt</a:t>
+            </a:r>
           </a:p>
           <a:p>
             <a:pPr marL="457200" indent="-457200">
@@ -4938,7 +4949,6 @@
               <a:rPr lang="de-DE" dirty="0" smtClean="0"/>
               <a:t> - Webservice</a:t>
             </a:r>
-            <a:endParaRPr lang="de-DE" dirty="0" smtClean="0"/>
           </a:p>
           <a:p>
             <a:pPr marL="457200" indent="-457200">
@@ -4990,7 +5000,6 @@
               <a:rPr lang="de-DE" dirty="0" smtClean="0"/>
               <a:t>Diskussion</a:t>
             </a:r>
-            <a:endParaRPr lang="de-DE" dirty="0" smtClean="0"/>
           </a:p>
         </p:txBody>
       </p:sp>
@@ -5268,11 +5277,7 @@
             </a:r>
             <a:r>
               <a:rPr lang="de-DE" dirty="0" smtClean="0"/>
-              <a:t> Kommunikation </a:t>
-            </a:r>
-            <a:r>
-              <a:rPr lang="de-DE" dirty="0" smtClean="0"/>
-              <a:t>während der Zugfahrt zum Teilen einer Weiterfahrtsmöglichkeit</a:t>
+              <a:t> Kommunikation während der Zugfahrt zum Teilen einer Weiterfahrtsmöglichkeit</a:t>
             </a:r>
             <a:endParaRPr lang="de-DE" dirty="0"/>
           </a:p>
@@ -5926,8 +5931,9 @@
           <a:p>
             <a:r>
               <a:rPr lang="de-DE" dirty="0" smtClean="0"/>
-              <a:t>Kostenrechnung:</a:t>
-            </a:r>
+              <a:t>Kostenrechnung</a:t>
+            </a:r>
+            <a:endParaRPr lang="de-DE" dirty="0" smtClean="0"/>
           </a:p>
           <a:p>
             <a:pPr>
@@ -5954,7 +5960,15 @@
             </a:br>
             <a:r>
               <a:rPr lang="de-DE" sz="1800" dirty="0" smtClean="0"/>
-              <a:t> 		hof zum Standort TODO. </a:t>
+              <a:t> 		hof zum Standort </a:t>
+            </a:r>
+            <a:r>
+              <a:rPr lang="de-DE" sz="1800" dirty="0" smtClean="0"/>
+              <a:t>Autovision</a:t>
+            </a:r>
+            <a:r>
+              <a:rPr lang="de-DE" sz="1800" dirty="0" smtClean="0"/>
+              <a:t>. </a:t>
             </a:r>
             <a:endParaRPr lang="de-DE" dirty="0" smtClean="0"/>
           </a:p>
@@ -5980,11 +5994,7 @@
             </a:pPr>
             <a:r>
               <a:rPr lang="de-DE" dirty="0" smtClean="0"/>
-              <a:t>	</a:t>
-            </a:r>
-            <a:r>
-              <a:rPr lang="de-DE" dirty="0" smtClean="0"/>
-              <a:t>	4 x 8,50€   =    	  34 €    </a:t>
+              <a:t>		4 x 8,50€   =    	  34 €    </a:t>
             </a:r>
           </a:p>
           <a:p>
@@ -5993,11 +6003,7 @@
             </a:pPr>
             <a:r>
               <a:rPr lang="de-DE" dirty="0" smtClean="0"/>
-              <a:t>	</a:t>
-            </a:r>
-            <a:r>
-              <a:rPr lang="de-DE" dirty="0" smtClean="0"/>
-              <a:t>		           </a:t>
+              <a:t>			           </a:t>
             </a:r>
             <a:r>
               <a:rPr lang="de-DE" u="dbl" dirty="0" smtClean="0">
@@ -6315,7 +6321,6 @@
               <a:rPr lang="de-DE" dirty="0" smtClean="0"/>
               <a:t> - Webservice</a:t>
             </a:r>
-            <a:endParaRPr lang="de-DE" dirty="0" smtClean="0"/>
           </a:p>
           <a:p>
             <a:pPr marL="457200" indent="-457200">
@@ -6367,7 +6372,6 @@
               <a:rPr lang="de-DE" dirty="0" smtClean="0"/>
               <a:t>Diskussion</a:t>
             </a:r>
-            <a:endParaRPr lang="de-DE" dirty="0" smtClean="0"/>
           </a:p>
         </p:txBody>
       </p:sp>
@@ -6519,20 +6523,35 @@
           <a:p>
             <a:r>
               <a:rPr lang="de-DE" dirty="0" smtClean="0"/>
-              <a:t>#spezifizierte Userstories: 	TODO</a:t>
-            </a:r>
-          </a:p>
-          <a:p>
-            <a:r>
-              <a:rPr lang="de-DE" dirty="0" smtClean="0"/>
-              <a:t>#umgesetzte Userstories: 	TODO</a:t>
-            </a:r>
-          </a:p>
-          <a:p>
-            <a:r>
-              <a:rPr lang="de-DE" dirty="0" smtClean="0"/>
-              <a:t>#umgesetzte Tasks: 	TODO</a:t>
-            </a:r>
+              <a:t>#spezifizierte Userstories: 	</a:t>
+            </a:r>
+            <a:r>
+              <a:rPr lang="de-DE" dirty="0" smtClean="0"/>
+              <a:t>30</a:t>
+            </a:r>
+            <a:endParaRPr lang="de-DE" dirty="0" smtClean="0"/>
+          </a:p>
+          <a:p>
+            <a:r>
+              <a:rPr lang="de-DE" dirty="0" smtClean="0"/>
+              <a:t>#umgesetzte Userstories: 	</a:t>
+            </a:r>
+            <a:r>
+              <a:rPr lang="de-DE" dirty="0" smtClean="0"/>
+              <a:t>16</a:t>
+            </a:r>
+            <a:endParaRPr lang="de-DE" dirty="0" smtClean="0"/>
+          </a:p>
+          <a:p>
+            <a:r>
+              <a:rPr lang="de-DE" dirty="0" smtClean="0"/>
+              <a:t>#umgesetzte Tasks: 	</a:t>
+            </a:r>
+            <a:r>
+              <a:rPr lang="de-DE" dirty="0" smtClean="0"/>
+              <a:t>99</a:t>
+            </a:r>
+            <a:endParaRPr lang="de-DE" dirty="0" smtClean="0"/>
           </a:p>
           <a:p>
             <a:endParaRPr lang="de-DE" dirty="0" smtClean="0"/>
@@ -6552,14 +6571,24 @@
             </a:r>
             <a:r>
               <a:rPr lang="de-DE" dirty="0" smtClean="0"/>
-              <a:t> Code:		TODO</a:t>
-            </a:r>
-          </a:p>
-          <a:p>
-            <a:r>
-              <a:rPr lang="de-DE" dirty="0" smtClean="0"/>
-              <a:t>#Pakete:			TODO</a:t>
-            </a:r>
+              <a:t> Code:		</a:t>
+            </a:r>
+            <a:r>
+              <a:rPr lang="de-DE" dirty="0" smtClean="0"/>
+              <a:t>2200 + 1833</a:t>
+            </a:r>
+            <a:endParaRPr lang="de-DE" dirty="0" smtClean="0"/>
+          </a:p>
+          <a:p>
+            <a:r>
+              <a:rPr lang="de-DE" dirty="0" smtClean="0"/>
+              <a:t>#Pakete:			</a:t>
+            </a:r>
+            <a:r>
+              <a:rPr lang="de-DE" dirty="0" smtClean="0"/>
+              <a:t>8 + 7</a:t>
+            </a:r>
+            <a:endParaRPr lang="de-DE" dirty="0" smtClean="0"/>
           </a:p>
           <a:p>
             <a:r>
@@ -6663,7 +6692,7 @@
         </p:blipFill>
         <p:spPr bwMode="auto">
           <a:xfrm>
-            <a:off x="5364088" y="1772816"/>
+            <a:off x="5759624" y="1772816"/>
             <a:ext cx="3384376" cy="3384376"/>
           </a:xfrm>
           <a:prstGeom prst="rect">
@@ -6790,11 +6819,6 @@
               </a:rPr>
               <a:t> Webservice</a:t>
             </a:r>
-            <a:endParaRPr lang="de-DE" dirty="0" smtClean="0">
-              <a:solidFill>
-                <a:srgbClr val="FF0000"/>
-              </a:solidFill>
-            </a:endParaRPr>
           </a:p>
           <a:p>
             <a:pPr marL="457200" indent="-457200">
@@ -6846,7 +6870,6 @@
               <a:rPr lang="de-DE" dirty="0" smtClean="0"/>
               <a:t>Diskussion</a:t>
             </a:r>
-            <a:endParaRPr lang="de-DE" dirty="0" smtClean="0"/>
           </a:p>
         </p:txBody>
       </p:sp>
@@ -7184,7 +7207,6 @@
               <a:rPr lang="de-DE" dirty="0" smtClean="0"/>
               <a:t> - Webservice</a:t>
             </a:r>
-            <a:endParaRPr lang="de-DE" dirty="0" smtClean="0"/>
           </a:p>
           <a:p>
             <a:pPr marL="457200" indent="-457200">
@@ -7264,7 +7286,6 @@
               <a:rPr lang="de-DE" dirty="0" smtClean="0"/>
               <a:t>Diskussion</a:t>
             </a:r>
-            <a:endParaRPr lang="de-DE" dirty="0" smtClean="0"/>
           </a:p>
         </p:txBody>
       </p:sp>

--- a/Abschluss-Praesentation/vorlage.pptx
+++ b/Abschluss-Praesentation/vorlage.pptx
@@ -5,23 +5,20 @@
     <p:sldMasterId id="2147483648" r:id="rId1"/>
   </p:sldMasterIdLst>
   <p:notesMasterIdLst>
-    <p:notesMasterId r:id="rId16"/>
+    <p:notesMasterId r:id="rId13"/>
   </p:notesMasterIdLst>
   <p:sldIdLst>
     <p:sldId id="256" r:id="rId2"/>
-    <p:sldId id="257" r:id="rId3"/>
-    <p:sldId id="265" r:id="rId4"/>
-    <p:sldId id="271" r:id="rId5"/>
-    <p:sldId id="275" r:id="rId6"/>
-    <p:sldId id="279" r:id="rId7"/>
-    <p:sldId id="276" r:id="rId8"/>
-    <p:sldId id="280" r:id="rId9"/>
-    <p:sldId id="277" r:id="rId10"/>
-    <p:sldId id="281" r:id="rId11"/>
-    <p:sldId id="278" r:id="rId12"/>
-    <p:sldId id="283" r:id="rId13"/>
-    <p:sldId id="284" r:id="rId14"/>
-    <p:sldId id="282" r:id="rId15"/>
+    <p:sldId id="265" r:id="rId3"/>
+    <p:sldId id="280" r:id="rId4"/>
+    <p:sldId id="281" r:id="rId5"/>
+    <p:sldId id="288" r:id="rId6"/>
+    <p:sldId id="289" r:id="rId7"/>
+    <p:sldId id="283" r:id="rId8"/>
+    <p:sldId id="284" r:id="rId9"/>
+    <p:sldId id="285" r:id="rId10"/>
+    <p:sldId id="287" r:id="rId11"/>
+    <p:sldId id="291" r:id="rId12"/>
   </p:sldIdLst>
   <p:sldSz cx="9144000" cy="6858000" type="screen4x3"/>
   <p:notesSz cx="6858000" cy="9144000"/>
@@ -206,7 +203,7 @@
             <a:fld id="{3AF138D4-E06A-4D92-B176-75A0C7906805}" type="datetimeFigureOut">
               <a:rPr lang="de-DE" smtClean="0"/>
               <a:pPr/>
-              <a:t>10.07.2012</a:t>
+              <a:t>12.07.2012</a:t>
             </a:fld>
             <a:endParaRPr lang="de-DE"/>
           </a:p>
@@ -3768,50 +3765,42 @@
           <a:p>
             <a:r>
               <a:rPr lang="de-DE" dirty="0" smtClean="0"/>
-              <a:t>Präsentation </a:t>
-            </a:r>
+              <a:t>Ausblick - Integration</a:t>
+            </a:r>
+            <a:endParaRPr lang="de-DE" dirty="0"/>
+          </a:p>
+        </p:txBody>
+      </p:sp>
+      <p:sp>
+        <p:nvSpPr>
+          <p:cNvPr id="3" name="Inhaltsplatzhalter 2"/>
+          <p:cNvSpPr>
+            <a:spLocks noGrp="1"/>
+          </p:cNvSpPr>
+          <p:nvPr>
+            <p:ph idx="1"/>
+          </p:nvPr>
+        </p:nvSpPr>
+        <p:spPr/>
+        <p:txBody>
+          <a:bodyPr/>
+          <a:lstStyle/>
+          <a:p>
             <a:r>
               <a:rPr lang="de-DE" dirty="0" err="1" smtClean="0"/>
-              <a:t>TaWusel</a:t>
-            </a:r>
+              <a:t>CarMob</a:t>
+            </a:r>
+            <a:endParaRPr lang="de-DE" dirty="0" smtClean="0"/>
+          </a:p>
+          <a:p>
+            <a:pPr lvl="1"/>
             <a:r>
               <a:rPr lang="de-DE" dirty="0" smtClean="0"/>
-              <a:t> </a:t>
+              <a:t>TODO </a:t>
             </a:r>
             <a:r>
               <a:rPr lang="de-DE" dirty="0" err="1" smtClean="0"/>
-              <a:t>Android</a:t>
-            </a:r>
-            <a:r>
-              <a:rPr lang="de-DE" dirty="0" smtClean="0"/>
-              <a:t> </a:t>
-            </a:r>
-            <a:r>
-              <a:rPr lang="de-DE" dirty="0" err="1" smtClean="0"/>
-              <a:t>App</a:t>
-            </a:r>
-            <a:endParaRPr lang="de-DE" dirty="0"/>
-          </a:p>
-        </p:txBody>
-      </p:sp>
-      <p:sp>
-        <p:nvSpPr>
-          <p:cNvPr id="3" name="Inhaltsplatzhalter 2"/>
-          <p:cNvSpPr>
-            <a:spLocks noGrp="1"/>
-          </p:cNvSpPr>
-          <p:nvPr>
-            <p:ph idx="1"/>
-          </p:nvPr>
-        </p:nvSpPr>
-        <p:spPr/>
-        <p:txBody>
-          <a:bodyPr/>
-          <a:lstStyle/>
-          <a:p>
-            <a:r>
-              <a:rPr lang="de-DE" dirty="0" smtClean="0"/>
-              <a:t>TODO Beispielvideo</a:t>
+              <a:t>video</a:t>
             </a:r>
             <a:endParaRPr lang="de-DE" dirty="0"/>
           </a:p>
@@ -3887,433 +3876,9 @@
           </a:p>
         </p:txBody>
       </p:sp>
-    </p:spTree>
-  </p:cSld>
-  <p:clrMapOvr>
-    <a:masterClrMapping/>
-  </p:clrMapOvr>
-  <p:timing>
-    <p:tnLst>
-      <p:par>
-        <p:cTn id="1" dur="indefinite" restart="never" nodeType="tmRoot"/>
-      </p:par>
-    </p:tnLst>
-  </p:timing>
-</p:sld>
-</file>
-
-<file path=ppt/slides/slide11.xml><?xml version="1.0" encoding="utf-8"?>
-<p:sld xmlns:a="http://schemas.openxmlformats.org/drawingml/2006/main" xmlns:r="http://schemas.openxmlformats.org/officeDocument/2006/relationships" xmlns:p="http://schemas.openxmlformats.org/presentationml/2006/main">
-  <p:cSld>
-    <p:spTree>
-      <p:nvGrpSpPr>
-        <p:cNvPr id="1" name=""/>
-        <p:cNvGrpSpPr/>
-        <p:nvPr/>
-      </p:nvGrpSpPr>
-      <p:grpSpPr>
-        <a:xfrm>
-          <a:off x="0" y="0"/>
-          <a:ext cx="0" cy="0"/>
-          <a:chOff x="0" y="0"/>
-          <a:chExt cx="0" cy="0"/>
-        </a:xfrm>
-      </p:grpSpPr>
-      <p:sp>
-        <p:nvSpPr>
-          <p:cNvPr id="2" name="Titel 1"/>
-          <p:cNvSpPr>
-            <a:spLocks noGrp="1"/>
-          </p:cNvSpPr>
-          <p:nvPr>
-            <p:ph type="title"/>
-          </p:nvPr>
-        </p:nvSpPr>
-        <p:spPr/>
-        <p:txBody>
-          <a:bodyPr/>
-          <a:lstStyle/>
-          <a:p>
-            <a:r>
-              <a:rPr lang="de-DE" dirty="0" smtClean="0"/>
-              <a:t>Agenda</a:t>
-            </a:r>
-            <a:endParaRPr lang="de-DE" dirty="0"/>
-          </a:p>
-        </p:txBody>
-      </p:sp>
-      <p:sp>
-        <p:nvSpPr>
-          <p:cNvPr id="3" name="Inhaltsplatzhalter 2"/>
-          <p:cNvSpPr>
-            <a:spLocks noGrp="1"/>
-          </p:cNvSpPr>
-          <p:nvPr>
-            <p:ph idx="1"/>
-          </p:nvPr>
-        </p:nvSpPr>
-        <p:spPr/>
-        <p:txBody>
-          <a:bodyPr/>
-          <a:lstStyle/>
-          <a:p>
-            <a:pPr marL="457200" indent="-457200">
-              <a:buFont typeface="+mj-lt"/>
-              <a:buAutoNum type="arabicPeriod"/>
-            </a:pPr>
-            <a:r>
-              <a:rPr lang="de-DE" dirty="0" smtClean="0"/>
-              <a:t>Einführung</a:t>
-            </a:r>
-          </a:p>
-          <a:p>
-            <a:pPr marL="457200" indent="-457200">
-              <a:buFont typeface="+mj-lt"/>
-              <a:buAutoNum type="arabicPeriod"/>
-            </a:pPr>
-            <a:r>
-              <a:rPr lang="de-DE" dirty="0" smtClean="0"/>
-              <a:t>Fakten zum Projekt</a:t>
-            </a:r>
-          </a:p>
-          <a:p>
-            <a:pPr marL="457200" indent="-457200">
-              <a:buFont typeface="+mj-lt"/>
-              <a:buAutoNum type="arabicPeriod"/>
-            </a:pPr>
-            <a:r>
-              <a:rPr lang="de-DE" dirty="0" smtClean="0"/>
-              <a:t>Präsentation </a:t>
-            </a:r>
-            <a:r>
-              <a:rPr lang="de-DE" dirty="0" err="1" smtClean="0"/>
-              <a:t>TaWusel</a:t>
-            </a:r>
-            <a:r>
-              <a:rPr lang="de-DE" dirty="0" smtClean="0"/>
-              <a:t> - Webservice</a:t>
-            </a:r>
-          </a:p>
-          <a:p>
-            <a:pPr marL="457200" indent="-457200">
-              <a:buFont typeface="+mj-lt"/>
-              <a:buAutoNum type="arabicPeriod"/>
-            </a:pPr>
-            <a:r>
-              <a:rPr lang="de-DE" dirty="0" smtClean="0"/>
-              <a:t>Präsentation </a:t>
-            </a:r>
-            <a:r>
-              <a:rPr lang="de-DE" dirty="0" err="1" smtClean="0"/>
-              <a:t>TaWusel</a:t>
-            </a:r>
-            <a:r>
-              <a:rPr lang="de-DE" dirty="0" smtClean="0"/>
-              <a:t> – </a:t>
-            </a:r>
-            <a:r>
-              <a:rPr lang="de-DE" dirty="0" err="1" smtClean="0"/>
-              <a:t>Android</a:t>
-            </a:r>
-            <a:r>
-              <a:rPr lang="de-DE" dirty="0" smtClean="0"/>
-              <a:t> </a:t>
-            </a:r>
-            <a:r>
-              <a:rPr lang="de-DE" dirty="0" err="1" smtClean="0"/>
-              <a:t>App</a:t>
-            </a:r>
-            <a:endParaRPr lang="de-DE" dirty="0" smtClean="0"/>
-          </a:p>
-          <a:p>
-            <a:pPr marL="457200" indent="-457200">
-              <a:buFont typeface="+mj-lt"/>
-              <a:buAutoNum type="arabicPeriod"/>
-            </a:pPr>
-            <a:r>
-              <a:rPr lang="de-DE" dirty="0" smtClean="0">
-                <a:solidFill>
-                  <a:srgbClr val="FF0000"/>
-                </a:solidFill>
-              </a:rPr>
-              <a:t>Ausblick</a:t>
-            </a:r>
-          </a:p>
-          <a:p>
-            <a:pPr marL="457200" indent="-457200">
-              <a:buFont typeface="+mj-lt"/>
-              <a:buAutoNum type="arabicPeriod"/>
-            </a:pPr>
-            <a:r>
-              <a:rPr lang="de-DE" dirty="0" smtClean="0"/>
-              <a:t>Diskussion</a:t>
-            </a:r>
-          </a:p>
-        </p:txBody>
-      </p:sp>
-      <p:sp>
-        <p:nvSpPr>
-          <p:cNvPr id="4" name="Datumsplatzhalter 3"/>
-          <p:cNvSpPr>
-            <a:spLocks noGrp="1"/>
-          </p:cNvSpPr>
-          <p:nvPr>
-            <p:ph type="dt" sz="half" idx="10"/>
-          </p:nvPr>
-        </p:nvSpPr>
-        <p:spPr/>
-        <p:txBody>
-          <a:bodyPr/>
-          <a:lstStyle/>
-          <a:p>
-            <a:r>
-              <a:rPr lang="de-DE" smtClean="0"/>
-              <a:t>13.07.2012</a:t>
-            </a:r>
-            <a:endParaRPr lang="de-DE"/>
-          </a:p>
-        </p:txBody>
-      </p:sp>
-      <p:sp>
-        <p:nvSpPr>
-          <p:cNvPr id="5" name="Foliennummernplatzhalter 4"/>
-          <p:cNvSpPr>
-            <a:spLocks noGrp="1"/>
-          </p:cNvSpPr>
-          <p:nvPr>
-            <p:ph type="sldNum" sz="quarter" idx="12"/>
-          </p:nvPr>
-        </p:nvSpPr>
-        <p:spPr/>
-        <p:txBody>
-          <a:bodyPr/>
-          <a:lstStyle/>
-          <a:p>
-            <a:fld id="{6C6AE60A-B69C-4790-82F7-3882EDF23186}" type="slidenum">
-              <a:rPr lang="de-DE" smtClean="0"/>
-              <a:pPr/>
-              <a:t>11</a:t>
-            </a:fld>
-            <a:endParaRPr lang="de-DE"/>
-          </a:p>
-        </p:txBody>
-      </p:sp>
-      <p:sp>
-        <p:nvSpPr>
-          <p:cNvPr id="6" name="Fußzeilenplatzhalter 5"/>
-          <p:cNvSpPr>
-            <a:spLocks noGrp="1"/>
-          </p:cNvSpPr>
-          <p:nvPr>
-            <p:ph type="ftr" sz="quarter" idx="11"/>
-          </p:nvPr>
-        </p:nvSpPr>
-        <p:spPr/>
-        <p:txBody>
-          <a:bodyPr/>
-          <a:lstStyle/>
-          <a:p>
-            <a:r>
-              <a:rPr lang="de-DE" dirty="0" err="1" smtClean="0"/>
-              <a:t>TaWusel</a:t>
-            </a:r>
-            <a:r>
-              <a:rPr lang="de-DE" dirty="0" smtClean="0"/>
-              <a:t> - Abschlusspräsentation</a:t>
-            </a:r>
-            <a:endParaRPr lang="de-DE" dirty="0"/>
-          </a:p>
-        </p:txBody>
-      </p:sp>
-    </p:spTree>
-  </p:cSld>
-  <p:clrMapOvr>
-    <a:masterClrMapping/>
-  </p:clrMapOvr>
-  <p:timing>
-    <p:tnLst>
-      <p:par>
-        <p:cTn id="1" dur="indefinite" restart="never" nodeType="tmRoot"/>
-      </p:par>
-    </p:tnLst>
-  </p:timing>
-</p:sld>
-</file>
-
-<file path=ppt/slides/slide12.xml><?xml version="1.0" encoding="utf-8"?>
-<p:sld xmlns:a="http://schemas.openxmlformats.org/drawingml/2006/main" xmlns:r="http://schemas.openxmlformats.org/officeDocument/2006/relationships" xmlns:p="http://schemas.openxmlformats.org/presentationml/2006/main">
-  <p:cSld>
-    <p:spTree>
-      <p:nvGrpSpPr>
-        <p:cNvPr id="1" name=""/>
-        <p:cNvGrpSpPr/>
-        <p:nvPr/>
-      </p:nvGrpSpPr>
-      <p:grpSpPr>
-        <a:xfrm>
-          <a:off x="0" y="0"/>
-          <a:ext cx="0" cy="0"/>
-          <a:chOff x="0" y="0"/>
-          <a:chExt cx="0" cy="0"/>
-        </a:xfrm>
-      </p:grpSpPr>
-      <p:sp>
-        <p:nvSpPr>
-          <p:cNvPr id="2" name="Titel 1"/>
-          <p:cNvSpPr>
-            <a:spLocks noGrp="1"/>
-          </p:cNvSpPr>
-          <p:nvPr>
-            <p:ph type="title"/>
-          </p:nvPr>
-        </p:nvSpPr>
-        <p:spPr/>
-        <p:txBody>
-          <a:bodyPr/>
-          <a:lstStyle/>
-          <a:p>
-            <a:r>
-              <a:rPr lang="de-DE" dirty="0" smtClean="0"/>
-              <a:t>Ausblick</a:t>
-            </a:r>
-            <a:endParaRPr lang="de-DE" dirty="0"/>
-          </a:p>
-        </p:txBody>
-      </p:sp>
-      <p:sp>
-        <p:nvSpPr>
-          <p:cNvPr id="3" name="Inhaltsplatzhalter 2"/>
-          <p:cNvSpPr>
-            <a:spLocks noGrp="1"/>
-          </p:cNvSpPr>
-          <p:nvPr>
-            <p:ph idx="1"/>
-          </p:nvPr>
-        </p:nvSpPr>
-        <p:spPr/>
-        <p:txBody>
-          <a:bodyPr/>
-          <a:lstStyle/>
-          <a:p>
-            <a:r>
-              <a:rPr lang="de-DE" dirty="0" smtClean="0"/>
-              <a:t>Was könnte noch getan werden (Webservice):</a:t>
-            </a:r>
-          </a:p>
-          <a:p>
-            <a:pPr lvl="1"/>
-            <a:r>
-              <a:rPr lang="de-DE" dirty="0" smtClean="0"/>
-              <a:t>Fahrten dynamisch anderen Initiatoren zuweisen</a:t>
-            </a:r>
-          </a:p>
-          <a:p>
-            <a:pPr lvl="1"/>
-            <a:r>
-              <a:rPr lang="de-DE" dirty="0" smtClean="0"/>
-              <a:t>Automatischer Vorschlag, wenn beim Erstellen einer Fahrt eine Mitfahrgelegenheit gefunden wird</a:t>
-            </a:r>
-          </a:p>
-          <a:p>
-            <a:pPr lvl="1"/>
-            <a:r>
-              <a:rPr lang="de-DE" dirty="0" smtClean="0"/>
-              <a:t>Automatisiertes Bestellen des Taxis über Onlineschnittstelle</a:t>
-            </a:r>
-          </a:p>
-          <a:p>
-            <a:pPr lvl="1"/>
-            <a:r>
-              <a:rPr lang="de-DE" dirty="0" smtClean="0"/>
-              <a:t>Planen einer Rückreise mit einem Klick</a:t>
-            </a:r>
-          </a:p>
-          <a:p>
-            <a:pPr lvl="1"/>
-            <a:r>
-              <a:rPr lang="de-DE" dirty="0" smtClean="0"/>
-              <a:t>Beantworten der SMS Benachrichtigungen zum Bestätigen einer Fahrt</a:t>
-            </a:r>
-          </a:p>
-          <a:p>
-            <a:pPr lvl="1"/>
-            <a:endParaRPr lang="de-DE" dirty="0"/>
-          </a:p>
-        </p:txBody>
-      </p:sp>
-      <p:sp>
-        <p:nvSpPr>
-          <p:cNvPr id="4" name="Datumsplatzhalter 3"/>
-          <p:cNvSpPr>
-            <a:spLocks noGrp="1"/>
-          </p:cNvSpPr>
-          <p:nvPr>
-            <p:ph type="dt" sz="half" idx="10"/>
-          </p:nvPr>
-        </p:nvSpPr>
-        <p:spPr/>
-        <p:txBody>
-          <a:bodyPr/>
-          <a:lstStyle/>
-          <a:p>
-            <a:r>
-              <a:rPr lang="de-DE" smtClean="0"/>
-              <a:t>13.07.2012</a:t>
-            </a:r>
-            <a:endParaRPr lang="de-DE"/>
-          </a:p>
-        </p:txBody>
-      </p:sp>
-      <p:sp>
-        <p:nvSpPr>
-          <p:cNvPr id="5" name="Fußzeilenplatzhalter 4"/>
-          <p:cNvSpPr>
-            <a:spLocks noGrp="1"/>
-          </p:cNvSpPr>
-          <p:nvPr>
-            <p:ph type="ftr" sz="quarter" idx="11"/>
-          </p:nvPr>
-        </p:nvSpPr>
-        <p:spPr/>
-        <p:txBody>
-          <a:bodyPr/>
-          <a:lstStyle/>
-          <a:p>
-            <a:r>
-              <a:rPr lang="de-DE" smtClean="0"/>
-              <a:t>TaWusel - Abschlusspräsentation</a:t>
-            </a:r>
-            <a:endParaRPr lang="de-DE"/>
-          </a:p>
-        </p:txBody>
-      </p:sp>
-      <p:sp>
-        <p:nvSpPr>
-          <p:cNvPr id="6" name="Foliennummernplatzhalter 5"/>
-          <p:cNvSpPr>
-            <a:spLocks noGrp="1"/>
-          </p:cNvSpPr>
-          <p:nvPr>
-            <p:ph type="sldNum" sz="quarter" idx="12"/>
-          </p:nvPr>
-        </p:nvSpPr>
-        <p:spPr/>
-        <p:txBody>
-          <a:bodyPr/>
-          <a:lstStyle/>
-          <a:p>
-            <a:fld id="{6C6AE60A-B69C-4790-82F7-3882EDF23186}" type="slidenum">
-              <a:rPr lang="de-DE" smtClean="0"/>
-              <a:pPr/>
-              <a:t>12</a:t>
-            </a:fld>
-            <a:endParaRPr lang="de-DE"/>
-          </a:p>
-        </p:txBody>
-      </p:sp>
       <p:pic>
         <p:nvPicPr>
-          <p:cNvPr id="28674" name="Picture 2" descr="http://icons.iconarchive.com/icons/deleket/scrap/128/Magnifying-Glass-icon.png"/>
+          <p:cNvPr id="7" name="Picture 2" descr="http://icons.iconarchive.com/icons/deleket/scrap/128/Magnifying-Glass-icon.png"/>
           <p:cNvPicPr>
             <a:picLocks noChangeAspect="1" noChangeArrowheads="1"/>
           </p:cNvPicPr>
@@ -4352,7 +3917,7 @@
 </p:sld>
 </file>
 
-<file path=ppt/slides/slide13.xml><?xml version="1.0" encoding="utf-8"?>
+<file path=ppt/slides/slide11.xml><?xml version="1.0" encoding="utf-8"?>
 <p:sld xmlns:a="http://schemas.openxmlformats.org/drawingml/2006/main" xmlns:r="http://schemas.openxmlformats.org/officeDocument/2006/relationships" xmlns:p="http://schemas.openxmlformats.org/presentationml/2006/main">
   <p:cSld>
     <p:spTree>
@@ -4376,7 +3941,32 @@
             <a:spLocks noGrp="1"/>
           </p:cNvSpPr>
           <p:nvPr>
-            <p:ph type="title"/>
+            <p:ph type="ctrTitle"/>
+          </p:nvPr>
+        </p:nvSpPr>
+        <p:spPr/>
+        <p:txBody>
+          <a:bodyPr>
+            <a:normAutofit/>
+          </a:bodyPr>
+          <a:lstStyle/>
+          <a:p>
+            <a:r>
+              <a:rPr lang="de-DE" sz="3800" dirty="0" smtClean="0"/>
+              <a:t>DANKE FÜR IHRE AUFMERKSAMKEIT!</a:t>
+            </a:r>
+            <a:endParaRPr lang="de-DE" sz="3800" dirty="0"/>
+          </a:p>
+        </p:txBody>
+      </p:sp>
+      <p:sp>
+        <p:nvSpPr>
+          <p:cNvPr id="3" name="Untertitel 2"/>
+          <p:cNvSpPr>
+            <a:spLocks noGrp="1"/>
+          </p:cNvSpPr>
+          <p:nvPr>
+            <p:ph type="subTitle" idx="1"/>
           </p:nvPr>
         </p:nvSpPr>
         <p:spPr/>
@@ -4386,777 +3976,21 @@
           <a:p>
             <a:r>
               <a:rPr lang="de-DE" dirty="0" smtClean="0"/>
-              <a:t>Ausblick</a:t>
+              <a:t>Für eventuelle Fragen stehen wir ihnen jetzt gerne zur Verfügung.</a:t>
             </a:r>
             <a:endParaRPr lang="de-DE" dirty="0"/>
           </a:p>
         </p:txBody>
       </p:sp>
-      <p:sp>
-        <p:nvSpPr>
-          <p:cNvPr id="3" name="Inhaltsplatzhalter 2"/>
-          <p:cNvSpPr>
-            <a:spLocks noGrp="1"/>
-          </p:cNvSpPr>
-          <p:nvPr>
-            <p:ph idx="1"/>
-          </p:nvPr>
-        </p:nvSpPr>
-        <p:spPr/>
-        <p:txBody>
-          <a:bodyPr/>
-          <a:lstStyle/>
-          <a:p>
-            <a:r>
-              <a:rPr lang="de-DE" dirty="0" smtClean="0"/>
-              <a:t>Was könnte noch getan werden (</a:t>
-            </a:r>
-            <a:r>
-              <a:rPr lang="de-DE" dirty="0" err="1" smtClean="0"/>
-              <a:t>App</a:t>
-            </a:r>
-            <a:r>
-              <a:rPr lang="de-DE" dirty="0" smtClean="0"/>
-              <a:t>):</a:t>
-            </a:r>
-          </a:p>
-          <a:p>
-            <a:pPr lvl="1"/>
-            <a:r>
-              <a:rPr lang="de-DE" dirty="0" smtClean="0"/>
-              <a:t>Look &amp; </a:t>
-            </a:r>
-            <a:r>
-              <a:rPr lang="de-DE" dirty="0" err="1" smtClean="0"/>
-              <a:t>Feel</a:t>
-            </a:r>
-            <a:r>
-              <a:rPr lang="de-DE" dirty="0" smtClean="0"/>
-              <a:t> verbessern</a:t>
-            </a:r>
-          </a:p>
-          <a:p>
-            <a:pPr lvl="1"/>
-            <a:r>
-              <a:rPr lang="de-DE" dirty="0" smtClean="0"/>
-              <a:t>Funktionalitäten erweitern (Profil, etc.)</a:t>
-            </a:r>
-          </a:p>
-          <a:p>
-            <a:pPr lvl="1"/>
-            <a:r>
-              <a:rPr lang="de-DE" dirty="0" smtClean="0"/>
-              <a:t>Anzeigen welche Mitarbeiter sich im Zug befinden, um zu sehen welche Leute ggf. Interesse an einem Taxi haben</a:t>
-            </a:r>
-          </a:p>
-          <a:p>
-            <a:pPr lvl="1"/>
-            <a:r>
-              <a:rPr lang="de-DE" dirty="0" smtClean="0"/>
-              <a:t>Standortbestimmung </a:t>
-            </a:r>
-            <a:r>
-              <a:rPr lang="de-DE" dirty="0" smtClean="0">
-                <a:sym typeface="Wingdings" pitchFamily="2" charset="2"/>
-              </a:rPr>
-              <a:t> Vorauswahl beim Erstellen einer Fahrt</a:t>
-            </a:r>
-          </a:p>
-          <a:p>
-            <a:pPr lvl="1"/>
-            <a:r>
-              <a:rPr lang="de-DE" dirty="0" smtClean="0">
-                <a:sym typeface="Wingdings" pitchFamily="2" charset="2"/>
-              </a:rPr>
-              <a:t>Benachrichtigungen direkt auf die </a:t>
-            </a:r>
-            <a:r>
-              <a:rPr lang="de-DE" dirty="0" err="1" smtClean="0">
-                <a:sym typeface="Wingdings" pitchFamily="2" charset="2"/>
-              </a:rPr>
-              <a:t>App</a:t>
-            </a:r>
-            <a:r>
-              <a:rPr lang="de-DE" dirty="0" smtClean="0">
-                <a:sym typeface="Wingdings" pitchFamily="2" charset="2"/>
-              </a:rPr>
-              <a:t> anstatt als Mail oder SMS</a:t>
-            </a:r>
-          </a:p>
-          <a:p>
-            <a:pPr lvl="1"/>
-            <a:endParaRPr lang="de-DE" dirty="0" smtClean="0"/>
-          </a:p>
-          <a:p>
-            <a:pPr lvl="1"/>
-            <a:endParaRPr lang="de-DE" dirty="0"/>
-          </a:p>
-        </p:txBody>
-      </p:sp>
-      <p:sp>
-        <p:nvSpPr>
-          <p:cNvPr id="4" name="Datumsplatzhalter 3"/>
-          <p:cNvSpPr>
-            <a:spLocks noGrp="1"/>
-          </p:cNvSpPr>
-          <p:nvPr>
-            <p:ph type="dt" sz="half" idx="10"/>
-          </p:nvPr>
-        </p:nvSpPr>
-        <p:spPr/>
-        <p:txBody>
-          <a:bodyPr/>
-          <a:lstStyle/>
-          <a:p>
-            <a:r>
-              <a:rPr lang="de-DE" smtClean="0"/>
-              <a:t>13.07.2012</a:t>
-            </a:r>
-            <a:endParaRPr lang="de-DE"/>
-          </a:p>
-        </p:txBody>
-      </p:sp>
-      <p:sp>
-        <p:nvSpPr>
-          <p:cNvPr id="5" name="Fußzeilenplatzhalter 4"/>
-          <p:cNvSpPr>
-            <a:spLocks noGrp="1"/>
-          </p:cNvSpPr>
-          <p:nvPr>
-            <p:ph type="ftr" sz="quarter" idx="11"/>
-          </p:nvPr>
-        </p:nvSpPr>
-        <p:spPr/>
-        <p:txBody>
-          <a:bodyPr/>
-          <a:lstStyle/>
-          <a:p>
-            <a:r>
-              <a:rPr lang="de-DE" smtClean="0"/>
-              <a:t>TaWusel - Abschlusspräsentation</a:t>
-            </a:r>
-            <a:endParaRPr lang="de-DE"/>
-          </a:p>
-        </p:txBody>
-      </p:sp>
-      <p:sp>
-        <p:nvSpPr>
-          <p:cNvPr id="6" name="Foliennummernplatzhalter 5"/>
-          <p:cNvSpPr>
-            <a:spLocks noGrp="1"/>
-          </p:cNvSpPr>
-          <p:nvPr>
-            <p:ph type="sldNum" sz="quarter" idx="12"/>
-          </p:nvPr>
-        </p:nvSpPr>
-        <p:spPr/>
-        <p:txBody>
-          <a:bodyPr/>
-          <a:lstStyle/>
-          <a:p>
-            <a:fld id="{6C6AE60A-B69C-4790-82F7-3882EDF23186}" type="slidenum">
-              <a:rPr lang="de-DE" smtClean="0"/>
-              <a:pPr/>
-              <a:t>13</a:t>
-            </a:fld>
-            <a:endParaRPr lang="de-DE"/>
-          </a:p>
-        </p:txBody>
-      </p:sp>
-      <p:pic>
-        <p:nvPicPr>
-          <p:cNvPr id="28674" name="Picture 2" descr="http://icons.iconarchive.com/icons/deleket/scrap/128/Magnifying-Glass-icon.png"/>
-          <p:cNvPicPr>
-            <a:picLocks noChangeAspect="1" noChangeArrowheads="1"/>
-          </p:cNvPicPr>
-          <p:nvPr/>
-        </p:nvPicPr>
-        <p:blipFill>
-          <a:blip r:embed="rId2" cstate="print"/>
-          <a:srcRect/>
-          <a:stretch>
-            <a:fillRect/>
-          </a:stretch>
-        </p:blipFill>
-        <p:spPr bwMode="auto">
-          <a:xfrm>
-            <a:off x="7596336" y="5229200"/>
-            <a:ext cx="1219200" cy="1219201"/>
-          </a:xfrm>
-          <a:prstGeom prst="rect">
-            <a:avLst/>
-          </a:prstGeom>
-          <a:noFill/>
-        </p:spPr>
-      </p:pic>
     </p:spTree>
   </p:cSld>
   <p:clrMapOvr>
     <a:masterClrMapping/>
   </p:clrMapOvr>
-  <p:timing>
-    <p:tnLst>
-      <p:par>
-        <p:cTn id="1" dur="indefinite" restart="never" nodeType="tmRoot"/>
-      </p:par>
-    </p:tnLst>
-  </p:timing>
-</p:sld>
-</file>
-
-<file path=ppt/slides/slide14.xml><?xml version="1.0" encoding="utf-8"?>
-<p:sld xmlns:a="http://schemas.openxmlformats.org/drawingml/2006/main" xmlns:r="http://schemas.openxmlformats.org/officeDocument/2006/relationships" xmlns:p="http://schemas.openxmlformats.org/presentationml/2006/main">
-  <p:cSld>
-    <p:spTree>
-      <p:nvGrpSpPr>
-        <p:cNvPr id="1" name=""/>
-        <p:cNvGrpSpPr/>
-        <p:nvPr/>
-      </p:nvGrpSpPr>
-      <p:grpSpPr>
-        <a:xfrm>
-          <a:off x="0" y="0"/>
-          <a:ext cx="0" cy="0"/>
-          <a:chOff x="0" y="0"/>
-          <a:chExt cx="0" cy="0"/>
-        </a:xfrm>
-      </p:grpSpPr>
-      <p:sp>
-        <p:nvSpPr>
-          <p:cNvPr id="2" name="Titel 1"/>
-          <p:cNvSpPr>
-            <a:spLocks noGrp="1"/>
-          </p:cNvSpPr>
-          <p:nvPr>
-            <p:ph type="title"/>
-          </p:nvPr>
-        </p:nvSpPr>
-        <p:spPr/>
-        <p:txBody>
-          <a:bodyPr/>
-          <a:lstStyle/>
-          <a:p>
-            <a:r>
-              <a:rPr lang="de-DE" dirty="0" smtClean="0"/>
-              <a:t>Diskussion</a:t>
-            </a:r>
-            <a:endParaRPr lang="de-DE" dirty="0"/>
-          </a:p>
-        </p:txBody>
-      </p:sp>
-      <p:sp>
-        <p:nvSpPr>
-          <p:cNvPr id="3" name="Inhaltsplatzhalter 2"/>
-          <p:cNvSpPr>
-            <a:spLocks noGrp="1"/>
-          </p:cNvSpPr>
-          <p:nvPr>
-            <p:ph idx="1"/>
-          </p:nvPr>
-        </p:nvSpPr>
-        <p:spPr>
-          <a:xfrm>
-            <a:off x="1254460" y="2960948"/>
-            <a:ext cx="6635080" cy="936104"/>
-          </a:xfrm>
-        </p:spPr>
-        <p:txBody>
-          <a:bodyPr>
-            <a:normAutofit lnSpcReduction="10000"/>
-          </a:bodyPr>
-          <a:lstStyle/>
-          <a:p>
-            <a:pPr>
-              <a:buNone/>
-            </a:pPr>
-            <a:r>
-              <a:rPr lang="de-DE" sz="6000" b="1" dirty="0" smtClean="0"/>
-              <a:t>Fragen         </a:t>
-            </a:r>
-            <a:r>
-              <a:rPr lang="de-DE" sz="6000" b="1" dirty="0" err="1" smtClean="0"/>
-              <a:t>Fragen</a:t>
-            </a:r>
-            <a:endParaRPr lang="de-DE" sz="6000" b="1" dirty="0"/>
-          </a:p>
-        </p:txBody>
-      </p:sp>
-      <p:sp>
-        <p:nvSpPr>
-          <p:cNvPr id="6" name="Foliennummernplatzhalter 5"/>
-          <p:cNvSpPr>
-            <a:spLocks noGrp="1"/>
-          </p:cNvSpPr>
-          <p:nvPr>
-            <p:ph type="sldNum" sz="quarter" idx="12"/>
-          </p:nvPr>
-        </p:nvSpPr>
-        <p:spPr/>
-        <p:txBody>
-          <a:bodyPr/>
-          <a:lstStyle/>
-          <a:p>
-            <a:fld id="{6C6AE60A-B69C-4790-82F7-3882EDF23186}" type="slidenum">
-              <a:rPr lang="de-DE" smtClean="0"/>
-              <a:pPr/>
-              <a:t>14</a:t>
-            </a:fld>
-            <a:endParaRPr lang="de-DE"/>
-          </a:p>
-        </p:txBody>
-      </p:sp>
-      <p:pic>
-        <p:nvPicPr>
-          <p:cNvPr id="5122" name="Picture 2" descr="0 Question mark icon"/>
-          <p:cNvPicPr>
-            <a:picLocks noChangeAspect="1" noChangeArrowheads="1"/>
-          </p:cNvPicPr>
-          <p:nvPr/>
-        </p:nvPicPr>
-        <p:blipFill>
-          <a:blip r:embed="rId2" cstate="print"/>
-          <a:srcRect/>
-          <a:stretch>
-            <a:fillRect/>
-          </a:stretch>
-        </p:blipFill>
-        <p:spPr bwMode="auto">
-          <a:xfrm>
-            <a:off x="3347864" y="2924944"/>
-            <a:ext cx="864096" cy="864096"/>
-          </a:xfrm>
-          <a:prstGeom prst="rect">
-            <a:avLst/>
-          </a:prstGeom>
-          <a:noFill/>
-        </p:spPr>
-      </p:pic>
-      <p:pic>
-        <p:nvPicPr>
-          <p:cNvPr id="5124" name="Picture 4" descr="http://icons.iconarchive.com/icons/dooffy/characters/128/0-Exclamation-mark-icon.png"/>
-          <p:cNvPicPr>
-            <a:picLocks noChangeAspect="1" noChangeArrowheads="1"/>
-          </p:cNvPicPr>
-          <p:nvPr/>
-        </p:nvPicPr>
-        <p:blipFill>
-          <a:blip r:embed="rId3" cstate="print"/>
-          <a:srcRect/>
-          <a:stretch>
-            <a:fillRect/>
-          </a:stretch>
-        </p:blipFill>
-        <p:spPr bwMode="auto">
-          <a:xfrm>
-            <a:off x="7092280" y="2924944"/>
-            <a:ext cx="864096" cy="864097"/>
-          </a:xfrm>
-          <a:prstGeom prst="rect">
-            <a:avLst/>
-          </a:prstGeom>
-          <a:noFill/>
-        </p:spPr>
-      </p:pic>
-      <p:pic>
-        <p:nvPicPr>
-          <p:cNvPr id="5126" name="Picture 6" descr="http://icons.iconarchive.com/icons/dooffy/characters/128/0-Minus-icon.png"/>
-          <p:cNvPicPr>
-            <a:picLocks noChangeAspect="1" noChangeArrowheads="1"/>
-          </p:cNvPicPr>
-          <p:nvPr/>
-        </p:nvPicPr>
-        <p:blipFill>
-          <a:blip r:embed="rId4" cstate="print"/>
-          <a:srcRect/>
-          <a:stretch>
-            <a:fillRect/>
-          </a:stretch>
-        </p:blipFill>
-        <p:spPr bwMode="auto">
-          <a:xfrm>
-            <a:off x="3856856" y="2780928"/>
-            <a:ext cx="1219200" cy="1219201"/>
-          </a:xfrm>
-          <a:prstGeom prst="rect">
-            <a:avLst/>
-          </a:prstGeom>
-          <a:noFill/>
-        </p:spPr>
-      </p:pic>
-      <p:sp>
-        <p:nvSpPr>
-          <p:cNvPr id="11" name="Fußzeilenplatzhalter 5"/>
-          <p:cNvSpPr>
-            <a:spLocks noGrp="1"/>
-          </p:cNvSpPr>
-          <p:nvPr>
-            <p:ph type="ftr" sz="quarter" idx="11"/>
-          </p:nvPr>
-        </p:nvSpPr>
-        <p:spPr>
-          <a:xfrm>
-            <a:off x="3124200" y="6356350"/>
-            <a:ext cx="2895600" cy="365125"/>
-          </a:xfrm>
-        </p:spPr>
-        <p:txBody>
-          <a:bodyPr/>
-          <a:lstStyle/>
-          <a:p>
-            <a:r>
-              <a:rPr lang="de-DE" dirty="0" err="1" smtClean="0"/>
-              <a:t>TaWusel</a:t>
-            </a:r>
-            <a:r>
-              <a:rPr lang="de-DE" dirty="0" smtClean="0"/>
-              <a:t> - Abschlusspräsentation</a:t>
-            </a:r>
-            <a:endParaRPr lang="de-DE" dirty="0"/>
-          </a:p>
-        </p:txBody>
-      </p:sp>
-      <p:sp>
-        <p:nvSpPr>
-          <p:cNvPr id="13" name="Datumsplatzhalter 3"/>
-          <p:cNvSpPr>
-            <a:spLocks noGrp="1"/>
-          </p:cNvSpPr>
-          <p:nvPr>
-            <p:ph type="dt" sz="half" idx="10"/>
-          </p:nvPr>
-        </p:nvSpPr>
-        <p:spPr>
-          <a:xfrm>
-            <a:off x="457200" y="6356350"/>
-            <a:ext cx="2133600" cy="365125"/>
-          </a:xfrm>
-        </p:spPr>
-        <p:txBody>
-          <a:bodyPr/>
-          <a:lstStyle/>
-          <a:p>
-            <a:r>
-              <a:rPr lang="de-DE" smtClean="0"/>
-              <a:t>13.07.2012</a:t>
-            </a:r>
-            <a:endParaRPr lang="de-DE"/>
-          </a:p>
-        </p:txBody>
-      </p:sp>
-    </p:spTree>
-  </p:cSld>
-  <p:clrMapOvr>
-    <a:masterClrMapping/>
-  </p:clrMapOvr>
-  <p:timing>
-    <p:tnLst>
-      <p:par>
-        <p:cTn id="1" dur="indefinite" restart="never" nodeType="tmRoot"/>
-      </p:par>
-    </p:tnLst>
-  </p:timing>
 </p:sld>
 </file>
 
 <file path=ppt/slides/slide2.xml><?xml version="1.0" encoding="utf-8"?>
-<p:sld xmlns:a="http://schemas.openxmlformats.org/drawingml/2006/main" xmlns:r="http://schemas.openxmlformats.org/officeDocument/2006/relationships" xmlns:p="http://schemas.openxmlformats.org/presentationml/2006/main">
-  <p:cSld>
-    <p:spTree>
-      <p:nvGrpSpPr>
-        <p:cNvPr id="1" name=""/>
-        <p:cNvGrpSpPr/>
-        <p:nvPr/>
-      </p:nvGrpSpPr>
-      <p:grpSpPr>
-        <a:xfrm>
-          <a:off x="0" y="0"/>
-          <a:ext cx="0" cy="0"/>
-          <a:chOff x="0" y="0"/>
-          <a:chExt cx="0" cy="0"/>
-        </a:xfrm>
-      </p:grpSpPr>
-      <p:sp>
-        <p:nvSpPr>
-          <p:cNvPr id="2" name="Titel 1"/>
-          <p:cNvSpPr>
-            <a:spLocks noGrp="1"/>
-          </p:cNvSpPr>
-          <p:nvPr>
-            <p:ph type="title"/>
-          </p:nvPr>
-        </p:nvSpPr>
-        <p:spPr/>
-        <p:txBody>
-          <a:bodyPr/>
-          <a:lstStyle/>
-          <a:p>
-            <a:r>
-              <a:rPr lang="de-DE" dirty="0" smtClean="0"/>
-              <a:t>Agenda</a:t>
-            </a:r>
-            <a:endParaRPr lang="de-DE" dirty="0"/>
-          </a:p>
-        </p:txBody>
-      </p:sp>
-      <p:sp>
-        <p:nvSpPr>
-          <p:cNvPr id="3" name="Inhaltsplatzhalter 2"/>
-          <p:cNvSpPr>
-            <a:spLocks noGrp="1"/>
-          </p:cNvSpPr>
-          <p:nvPr>
-            <p:ph idx="1"/>
-          </p:nvPr>
-        </p:nvSpPr>
-        <p:spPr/>
-        <p:txBody>
-          <a:bodyPr/>
-          <a:lstStyle/>
-          <a:p>
-            <a:pPr marL="457200" indent="-457200">
-              <a:buFont typeface="+mj-lt"/>
-              <a:buAutoNum type="arabicPeriod"/>
-            </a:pPr>
-            <a:r>
-              <a:rPr lang="de-DE" dirty="0" smtClean="0"/>
-              <a:t>Einführung</a:t>
-            </a:r>
-          </a:p>
-          <a:p>
-            <a:pPr marL="457200" indent="-457200">
-              <a:buFont typeface="+mj-lt"/>
-              <a:buAutoNum type="arabicPeriod"/>
-            </a:pPr>
-            <a:r>
-              <a:rPr lang="de-DE" dirty="0" smtClean="0"/>
-              <a:t>Fakten zum Projekt</a:t>
-            </a:r>
-          </a:p>
-          <a:p>
-            <a:pPr marL="457200" indent="-457200">
-              <a:buFont typeface="+mj-lt"/>
-              <a:buAutoNum type="arabicPeriod"/>
-            </a:pPr>
-            <a:r>
-              <a:rPr lang="de-DE" dirty="0" smtClean="0"/>
-              <a:t>Präsentation </a:t>
-            </a:r>
-            <a:r>
-              <a:rPr lang="de-DE" dirty="0" err="1" smtClean="0"/>
-              <a:t>TaWusel</a:t>
-            </a:r>
-            <a:r>
-              <a:rPr lang="de-DE" dirty="0" smtClean="0"/>
-              <a:t> - Webservice</a:t>
-            </a:r>
-          </a:p>
-          <a:p>
-            <a:pPr marL="457200" indent="-457200">
-              <a:buFont typeface="+mj-lt"/>
-              <a:buAutoNum type="arabicPeriod"/>
-            </a:pPr>
-            <a:r>
-              <a:rPr lang="de-DE" dirty="0" smtClean="0"/>
-              <a:t>Präsentation </a:t>
-            </a:r>
-            <a:r>
-              <a:rPr lang="de-DE" dirty="0" err="1" smtClean="0"/>
-              <a:t>TaWusel</a:t>
-            </a:r>
-            <a:r>
-              <a:rPr lang="de-DE" dirty="0" smtClean="0"/>
-              <a:t> – </a:t>
-            </a:r>
-            <a:r>
-              <a:rPr lang="de-DE" dirty="0" err="1" smtClean="0"/>
-              <a:t>Android</a:t>
-            </a:r>
-            <a:r>
-              <a:rPr lang="de-DE" dirty="0" smtClean="0"/>
-              <a:t> </a:t>
-            </a:r>
-            <a:r>
-              <a:rPr lang="de-DE" dirty="0" err="1" smtClean="0"/>
-              <a:t>App</a:t>
-            </a:r>
-            <a:endParaRPr lang="de-DE" dirty="0" smtClean="0"/>
-          </a:p>
-          <a:p>
-            <a:pPr marL="457200" indent="-457200">
-              <a:buFont typeface="+mj-lt"/>
-              <a:buAutoNum type="arabicPeriod"/>
-            </a:pPr>
-            <a:r>
-              <a:rPr lang="de-DE" dirty="0" smtClean="0"/>
-              <a:t>Ausblick</a:t>
-            </a:r>
-          </a:p>
-          <a:p>
-            <a:pPr marL="457200" indent="-457200">
-              <a:buFont typeface="+mj-lt"/>
-              <a:buAutoNum type="arabicPeriod"/>
-            </a:pPr>
-            <a:r>
-              <a:rPr lang="de-DE" dirty="0" smtClean="0"/>
-              <a:t>Diskussion</a:t>
-            </a:r>
-          </a:p>
-        </p:txBody>
-      </p:sp>
-      <p:sp>
-        <p:nvSpPr>
-          <p:cNvPr id="4" name="Datumsplatzhalter 3"/>
-          <p:cNvSpPr>
-            <a:spLocks noGrp="1"/>
-          </p:cNvSpPr>
-          <p:nvPr>
-            <p:ph type="dt" sz="half" idx="10"/>
-          </p:nvPr>
-        </p:nvSpPr>
-        <p:spPr/>
-        <p:txBody>
-          <a:bodyPr/>
-          <a:lstStyle/>
-          <a:p>
-            <a:r>
-              <a:rPr lang="de-DE" smtClean="0"/>
-              <a:t>13.07.2012</a:t>
-            </a:r>
-            <a:endParaRPr lang="de-DE"/>
-          </a:p>
-        </p:txBody>
-      </p:sp>
-      <p:sp>
-        <p:nvSpPr>
-          <p:cNvPr id="5" name="Foliennummernplatzhalter 4"/>
-          <p:cNvSpPr>
-            <a:spLocks noGrp="1"/>
-          </p:cNvSpPr>
-          <p:nvPr>
-            <p:ph type="sldNum" sz="quarter" idx="12"/>
-          </p:nvPr>
-        </p:nvSpPr>
-        <p:spPr/>
-        <p:txBody>
-          <a:bodyPr/>
-          <a:lstStyle/>
-          <a:p>
-            <a:fld id="{6C6AE60A-B69C-4790-82F7-3882EDF23186}" type="slidenum">
-              <a:rPr lang="de-DE" smtClean="0"/>
-              <a:pPr/>
-              <a:t>2</a:t>
-            </a:fld>
-            <a:endParaRPr lang="de-DE"/>
-          </a:p>
-        </p:txBody>
-      </p:sp>
-      <p:sp>
-        <p:nvSpPr>
-          <p:cNvPr id="6" name="Fußzeilenplatzhalter 5"/>
-          <p:cNvSpPr>
-            <a:spLocks noGrp="1"/>
-          </p:cNvSpPr>
-          <p:nvPr>
-            <p:ph type="ftr" sz="quarter" idx="11"/>
-          </p:nvPr>
-        </p:nvSpPr>
-        <p:spPr/>
-        <p:txBody>
-          <a:bodyPr/>
-          <a:lstStyle/>
-          <a:p>
-            <a:r>
-              <a:rPr lang="de-DE" smtClean="0"/>
-              <a:t>TaWusel - Abschlusspräsentation</a:t>
-            </a:r>
-            <a:endParaRPr lang="de-DE"/>
-          </a:p>
-        </p:txBody>
-      </p:sp>
-    </p:spTree>
-  </p:cSld>
-  <p:clrMapOvr>
-    <a:masterClrMapping/>
-  </p:clrMapOvr>
-  <p:timing>
-    <p:tnLst>
-      <p:par>
-        <p:cTn id="1" dur="indefinite" restart="never" nodeType="tmRoot">
-          <p:childTnLst>
-            <p:seq concurrent="1" nextAc="seek">
-              <p:cTn id="2" dur="indefinite" nodeType="mainSeq">
-                <p:childTnLst>
-                  <p:par>
-                    <p:cTn id="3" fill="hold">
-                      <p:stCondLst>
-                        <p:cond delay="indefinite"/>
-                      </p:stCondLst>
-                      <p:childTnLst>
-                        <p:par>
-                          <p:cTn id="4" fill="hold">
-                            <p:stCondLst>
-                              <p:cond delay="0"/>
-                            </p:stCondLst>
-                            <p:childTnLst>
-                              <p:par>
-                                <p:cTn id="5" presetID="3" presetClass="emph" presetSubtype="2" fill="hold" nodeType="clickEffect">
-                                  <p:stCondLst>
-                                    <p:cond delay="0"/>
-                                  </p:stCondLst>
-                                  <p:childTnLst>
-                                    <p:animClr clrSpc="rgb">
-                                      <p:cBhvr override="childStyle">
-                                        <p:cTn id="6" dur="2000" fill="hold"/>
-                                        <p:tgtEl>
-                                          <p:spTgt spid="3">
-                                            <p:txEl>
-                                              <p:pRg st="0" end="0"/>
-                                            </p:txEl>
-                                          </p:spTgt>
-                                        </p:tgtEl>
-                                        <p:attrNameLst>
-                                          <p:attrName>style.color</p:attrName>
-                                        </p:attrNameLst>
-                                      </p:cBhvr>
-                                      <p:to>
-                                        <a:srgbClr val="FF0000"/>
-                                      </p:to>
-                                    </p:animClr>
-                                  </p:childTnLst>
-                                </p:cTn>
-                              </p:par>
-                            </p:childTnLst>
-                          </p:cTn>
-                        </p:par>
-                      </p:childTnLst>
-                    </p:cTn>
-                  </p:par>
-                </p:childTnLst>
-              </p:cTn>
-              <p:prevCondLst>
-                <p:cond evt="onPrev" delay="0">
-                  <p:tgtEl>
-                    <p:sldTgt/>
-                  </p:tgtEl>
-                </p:cond>
-              </p:prevCondLst>
-              <p:nextCondLst>
-                <p:cond evt="onNext" delay="0">
-                  <p:tgtEl>
-                    <p:sldTgt/>
-                  </p:tgtEl>
-                </p:cond>
-              </p:nextCondLst>
-            </p:seq>
-          </p:childTnLst>
-        </p:cTn>
-      </p:par>
-    </p:tnLst>
-  </p:timing>
-</p:sld>
-</file>
-
-<file path=ppt/slides/slide3.xml><?xml version="1.0" encoding="utf-8"?>
 <p:sld xmlns:a="http://schemas.openxmlformats.org/drawingml/2006/main" xmlns:r="http://schemas.openxmlformats.org/officeDocument/2006/relationships" xmlns:p="http://schemas.openxmlformats.org/presentationml/2006/main">
   <p:cSld>
     <p:spTree>
@@ -5277,7 +4111,14 @@
             </a:r>
             <a:r>
               <a:rPr lang="de-DE" dirty="0" smtClean="0"/>
-              <a:t> Kommunikation während der Zugfahrt zum Teilen einer Weiterfahrtsmöglichkeit</a:t>
+              <a:t> Kommunikation während der Zugfahrt zum Teilen eines </a:t>
+            </a:r>
+            <a:br>
+              <a:rPr lang="de-DE" dirty="0" smtClean="0"/>
+            </a:br>
+            <a:r>
+              <a:rPr lang="de-DE" dirty="0" smtClean="0"/>
+              <a:t>	  Taxis</a:t>
             </a:r>
             <a:endParaRPr lang="de-DE" dirty="0"/>
           </a:p>
@@ -5347,7 +4188,7 @@
             <a:fld id="{6C6AE60A-B69C-4790-82F7-3882EDF23186}" type="slidenum">
               <a:rPr lang="de-DE" smtClean="0"/>
               <a:pPr/>
-              <a:t>3</a:t>
+              <a:t>2</a:t>
             </a:fld>
             <a:endParaRPr lang="de-DE"/>
           </a:p>
@@ -5872,6 +4713,164 @@
 </p:sld>
 </file>
 
+<file path=ppt/slides/slide3.xml><?xml version="1.0" encoding="utf-8"?>
+<p:sld xmlns:a="http://schemas.openxmlformats.org/drawingml/2006/main" xmlns:r="http://schemas.openxmlformats.org/officeDocument/2006/relationships" xmlns:p="http://schemas.openxmlformats.org/presentationml/2006/main">
+  <p:cSld>
+    <p:spTree>
+      <p:nvGrpSpPr>
+        <p:cNvPr id="1" name=""/>
+        <p:cNvGrpSpPr/>
+        <p:nvPr/>
+      </p:nvGrpSpPr>
+      <p:grpSpPr>
+        <a:xfrm>
+          <a:off x="0" y="0"/>
+          <a:ext cx="0" cy="0"/>
+          <a:chOff x="0" y="0"/>
+          <a:chExt cx="0" cy="0"/>
+        </a:xfrm>
+      </p:grpSpPr>
+      <p:sp>
+        <p:nvSpPr>
+          <p:cNvPr id="2" name="Titel 1"/>
+          <p:cNvSpPr>
+            <a:spLocks noGrp="1"/>
+          </p:cNvSpPr>
+          <p:nvPr>
+            <p:ph type="title"/>
+          </p:nvPr>
+        </p:nvSpPr>
+        <p:spPr/>
+        <p:txBody>
+          <a:bodyPr/>
+          <a:lstStyle/>
+          <a:p>
+            <a:r>
+              <a:rPr lang="de-DE" dirty="0" smtClean="0"/>
+              <a:t>Präsentation </a:t>
+            </a:r>
+            <a:r>
+              <a:rPr lang="de-DE" dirty="0" err="1" smtClean="0"/>
+              <a:t>TaWusel</a:t>
+            </a:r>
+            <a:r>
+              <a:rPr lang="de-DE" dirty="0" smtClean="0"/>
+              <a:t> - Webservice</a:t>
+            </a:r>
+            <a:endParaRPr lang="de-DE" dirty="0"/>
+          </a:p>
+        </p:txBody>
+      </p:sp>
+      <p:sp>
+        <p:nvSpPr>
+          <p:cNvPr id="3" name="Inhaltsplatzhalter 2"/>
+          <p:cNvSpPr>
+            <a:spLocks noGrp="1"/>
+          </p:cNvSpPr>
+          <p:nvPr>
+            <p:ph idx="1"/>
+          </p:nvPr>
+        </p:nvSpPr>
+        <p:spPr/>
+        <p:txBody>
+          <a:bodyPr/>
+          <a:lstStyle/>
+          <a:p>
+            <a:r>
+              <a:rPr lang="de-DE" dirty="0" smtClean="0"/>
+              <a:t>TODO Beispielvideo</a:t>
+            </a:r>
+          </a:p>
+          <a:p>
+            <a:endParaRPr lang="de-DE" dirty="0"/>
+          </a:p>
+        </p:txBody>
+      </p:sp>
+      <p:sp>
+        <p:nvSpPr>
+          <p:cNvPr id="4" name="Datumsplatzhalter 3"/>
+          <p:cNvSpPr>
+            <a:spLocks noGrp="1"/>
+          </p:cNvSpPr>
+          <p:nvPr>
+            <p:ph type="dt" sz="half" idx="10"/>
+          </p:nvPr>
+        </p:nvSpPr>
+        <p:spPr/>
+        <p:txBody>
+          <a:bodyPr/>
+          <a:lstStyle/>
+          <a:p>
+            <a:r>
+              <a:rPr lang="de-DE" smtClean="0"/>
+              <a:t>13.07.2012</a:t>
+            </a:r>
+            <a:endParaRPr lang="de-DE"/>
+          </a:p>
+        </p:txBody>
+      </p:sp>
+      <p:sp>
+        <p:nvSpPr>
+          <p:cNvPr id="5" name="Fußzeilenplatzhalter 4"/>
+          <p:cNvSpPr>
+            <a:spLocks noGrp="1"/>
+          </p:cNvSpPr>
+          <p:nvPr>
+            <p:ph type="ftr" sz="quarter" idx="11"/>
+          </p:nvPr>
+        </p:nvSpPr>
+        <p:spPr/>
+        <p:txBody>
+          <a:bodyPr/>
+          <a:lstStyle/>
+          <a:p>
+            <a:r>
+              <a:rPr lang="de-DE" smtClean="0"/>
+              <a:t>TaWusel - Abschlusspräsentation</a:t>
+            </a:r>
+            <a:endParaRPr lang="de-DE"/>
+          </a:p>
+        </p:txBody>
+      </p:sp>
+      <p:sp>
+        <p:nvSpPr>
+          <p:cNvPr id="6" name="Foliennummernplatzhalter 5"/>
+          <p:cNvSpPr>
+            <a:spLocks noGrp="1"/>
+          </p:cNvSpPr>
+          <p:nvPr>
+            <p:ph type="sldNum" sz="quarter" idx="12"/>
+          </p:nvPr>
+        </p:nvSpPr>
+        <p:spPr/>
+        <p:txBody>
+          <a:bodyPr/>
+          <a:lstStyle/>
+          <a:p>
+            <a:fld id="{6C6AE60A-B69C-4790-82F7-3882EDF23186}" type="slidenum">
+              <a:rPr lang="de-DE" smtClean="0"/>
+              <a:pPr/>
+              <a:t>3</a:t>
+            </a:fld>
+            <a:endParaRPr lang="de-DE"/>
+          </a:p>
+        </p:txBody>
+      </p:sp>
+    </p:spTree>
+  </p:cSld>
+  <p:clrMapOvr>
+    <a:masterClrMapping/>
+  </p:clrMapOvr>
+  <p:timing>
+    <p:tnLst>
+      <p:par>
+        <p:cTn id="1" dur="indefinite" restart="never" nodeType="tmRoot"/>
+      </p:par>
+    </p:tnLst>
+  </p:timing>
+</p:sld>
+</file>
+
 <file path=ppt/slides/slide4.xml><?xml version="1.0" encoding="utf-8"?>
 <p:sld xmlns:a="http://schemas.openxmlformats.org/drawingml/2006/main" xmlns:r="http://schemas.openxmlformats.org/officeDocument/2006/relationships" xmlns:p="http://schemas.openxmlformats.org/presentationml/2006/main">
   <p:cSld>
@@ -5906,7 +4905,27 @@
           <a:p>
             <a:r>
               <a:rPr lang="de-DE" dirty="0" smtClean="0"/>
-              <a:t>Einführung</a:t>
+              <a:t>Präsentation </a:t>
+            </a:r>
+            <a:r>
+              <a:rPr lang="de-DE" dirty="0" err="1" smtClean="0"/>
+              <a:t>TaWusel</a:t>
+            </a:r>
+            <a:r>
+              <a:rPr lang="de-DE" dirty="0" smtClean="0"/>
+              <a:t> - </a:t>
+            </a:r>
+            <a:r>
+              <a:rPr lang="de-DE" dirty="0" err="1" smtClean="0"/>
+              <a:t>Android</a:t>
+            </a:r>
+            <a:r>
+              <a:rPr lang="de-DE" dirty="0" smtClean="0"/>
+              <a:t> </a:t>
+            </a:r>
+            <a:r>
+              <a:rPr lang="de-DE" dirty="0" err="1" smtClean="0"/>
+              <a:t>App</a:t>
             </a:r>
             <a:endParaRPr lang="de-DE" dirty="0"/>
           </a:p>
@@ -5923,6 +4942,513 @@
           </p:nvPr>
         </p:nvSpPr>
         <p:spPr/>
+        <p:txBody>
+          <a:bodyPr/>
+          <a:lstStyle/>
+          <a:p>
+            <a:r>
+              <a:rPr lang="de-DE" dirty="0" smtClean="0"/>
+              <a:t>TODO Beispielvideo</a:t>
+            </a:r>
+            <a:endParaRPr lang="de-DE" dirty="0"/>
+          </a:p>
+        </p:txBody>
+      </p:sp>
+      <p:sp>
+        <p:nvSpPr>
+          <p:cNvPr id="4" name="Datumsplatzhalter 3"/>
+          <p:cNvSpPr>
+            <a:spLocks noGrp="1"/>
+          </p:cNvSpPr>
+          <p:nvPr>
+            <p:ph type="dt" sz="half" idx="10"/>
+          </p:nvPr>
+        </p:nvSpPr>
+        <p:spPr/>
+        <p:txBody>
+          <a:bodyPr/>
+          <a:lstStyle/>
+          <a:p>
+            <a:r>
+              <a:rPr lang="de-DE" smtClean="0"/>
+              <a:t>13.07.2012</a:t>
+            </a:r>
+            <a:endParaRPr lang="de-DE"/>
+          </a:p>
+        </p:txBody>
+      </p:sp>
+      <p:sp>
+        <p:nvSpPr>
+          <p:cNvPr id="5" name="Fußzeilenplatzhalter 4"/>
+          <p:cNvSpPr>
+            <a:spLocks noGrp="1"/>
+          </p:cNvSpPr>
+          <p:nvPr>
+            <p:ph type="ftr" sz="quarter" idx="11"/>
+          </p:nvPr>
+        </p:nvSpPr>
+        <p:spPr/>
+        <p:txBody>
+          <a:bodyPr/>
+          <a:lstStyle/>
+          <a:p>
+            <a:r>
+              <a:rPr lang="de-DE" smtClean="0"/>
+              <a:t>TaWusel - Abschlusspräsentation</a:t>
+            </a:r>
+            <a:endParaRPr lang="de-DE"/>
+          </a:p>
+        </p:txBody>
+      </p:sp>
+      <p:sp>
+        <p:nvSpPr>
+          <p:cNvPr id="6" name="Foliennummernplatzhalter 5"/>
+          <p:cNvSpPr>
+            <a:spLocks noGrp="1"/>
+          </p:cNvSpPr>
+          <p:nvPr>
+            <p:ph type="sldNum" sz="quarter" idx="12"/>
+          </p:nvPr>
+        </p:nvSpPr>
+        <p:spPr/>
+        <p:txBody>
+          <a:bodyPr/>
+          <a:lstStyle/>
+          <a:p>
+            <a:fld id="{6C6AE60A-B69C-4790-82F7-3882EDF23186}" type="slidenum">
+              <a:rPr lang="de-DE" smtClean="0"/>
+              <a:pPr/>
+              <a:t>4</a:t>
+            </a:fld>
+            <a:endParaRPr lang="de-DE"/>
+          </a:p>
+        </p:txBody>
+      </p:sp>
+    </p:spTree>
+  </p:cSld>
+  <p:clrMapOvr>
+    <a:masterClrMapping/>
+  </p:clrMapOvr>
+  <p:timing>
+    <p:tnLst>
+      <p:par>
+        <p:cTn id="1" dur="indefinite" restart="never" nodeType="tmRoot"/>
+      </p:par>
+    </p:tnLst>
+  </p:timing>
+</p:sld>
+</file>
+
+<file path=ppt/slides/slide5.xml><?xml version="1.0" encoding="utf-8"?>
+<p:sld xmlns:a="http://schemas.openxmlformats.org/drawingml/2006/main" xmlns:r="http://schemas.openxmlformats.org/officeDocument/2006/relationships" xmlns:p="http://schemas.openxmlformats.org/presentationml/2006/main">
+  <p:cSld>
+    <p:spTree>
+      <p:nvGrpSpPr>
+        <p:cNvPr id="1" name=""/>
+        <p:cNvGrpSpPr/>
+        <p:nvPr/>
+      </p:nvGrpSpPr>
+      <p:grpSpPr>
+        <a:xfrm>
+          <a:off x="0" y="0"/>
+          <a:ext cx="0" cy="0"/>
+          <a:chOff x="0" y="0"/>
+          <a:chExt cx="0" cy="0"/>
+        </a:xfrm>
+      </p:grpSpPr>
+      <p:sp>
+        <p:nvSpPr>
+          <p:cNvPr id="2" name="Titel 1"/>
+          <p:cNvSpPr>
+            <a:spLocks noGrp="1"/>
+          </p:cNvSpPr>
+          <p:nvPr>
+            <p:ph type="title"/>
+          </p:nvPr>
+        </p:nvSpPr>
+        <p:spPr/>
+        <p:txBody>
+          <a:bodyPr/>
+          <a:lstStyle/>
+          <a:p>
+            <a:r>
+              <a:rPr lang="de-DE" dirty="0" smtClean="0"/>
+              <a:t>Präsentation </a:t>
+            </a:r>
+            <a:r>
+              <a:rPr lang="de-DE" dirty="0" err="1" smtClean="0"/>
+              <a:t>TaWusel</a:t>
+            </a:r>
+            <a:r>
+              <a:rPr lang="de-DE" dirty="0" smtClean="0"/>
+              <a:t> - Nutzen</a:t>
+            </a:r>
+            <a:endParaRPr lang="de-DE" dirty="0"/>
+          </a:p>
+        </p:txBody>
+      </p:sp>
+      <p:sp>
+        <p:nvSpPr>
+          <p:cNvPr id="3" name="Inhaltsplatzhalter 2"/>
+          <p:cNvSpPr>
+            <a:spLocks noGrp="1"/>
+          </p:cNvSpPr>
+          <p:nvPr>
+            <p:ph idx="1"/>
+          </p:nvPr>
+        </p:nvSpPr>
+        <p:spPr/>
+        <p:txBody>
+          <a:bodyPr/>
+          <a:lstStyle/>
+          <a:p>
+            <a:r>
+              <a:rPr lang="de-DE" dirty="0" smtClean="0"/>
+              <a:t>Gemeinsames Reisen</a:t>
+            </a:r>
+          </a:p>
+          <a:p>
+            <a:r>
+              <a:rPr lang="de-DE" dirty="0" smtClean="0"/>
+              <a:t>Mobile Zugriffsmöglichkeit auf den Service</a:t>
+            </a:r>
+          </a:p>
+          <a:p>
+            <a:r>
+              <a:rPr lang="de-DE" dirty="0" smtClean="0"/>
+              <a:t>Benachrichtigungsmöglichkeiten</a:t>
+            </a:r>
+          </a:p>
+          <a:p>
+            <a:r>
+              <a:rPr lang="de-DE" dirty="0" smtClean="0"/>
+              <a:t>Historie der Fahrten</a:t>
+            </a:r>
+          </a:p>
+          <a:p>
+            <a:r>
+              <a:rPr lang="de-DE" dirty="0" smtClean="0"/>
+              <a:t>Personalisierte Templates für Fahrten</a:t>
+            </a:r>
+          </a:p>
+          <a:p>
+            <a:r>
+              <a:rPr lang="de-DE" dirty="0" smtClean="0"/>
+              <a:t>Geldersparnis für die </a:t>
+            </a:r>
+            <a:r>
+              <a:rPr lang="de-DE" dirty="0" err="1" smtClean="0"/>
+              <a:t>Carmeq</a:t>
+            </a:r>
+            <a:endParaRPr lang="de-DE" dirty="0"/>
+          </a:p>
+        </p:txBody>
+      </p:sp>
+      <p:sp>
+        <p:nvSpPr>
+          <p:cNvPr id="4" name="Datumsplatzhalter 3"/>
+          <p:cNvSpPr>
+            <a:spLocks noGrp="1"/>
+          </p:cNvSpPr>
+          <p:nvPr>
+            <p:ph type="dt" sz="half" idx="10"/>
+          </p:nvPr>
+        </p:nvSpPr>
+        <p:spPr/>
+        <p:txBody>
+          <a:bodyPr/>
+          <a:lstStyle/>
+          <a:p>
+            <a:r>
+              <a:rPr lang="de-DE" smtClean="0"/>
+              <a:t>13.07.2012</a:t>
+            </a:r>
+            <a:endParaRPr lang="de-DE"/>
+          </a:p>
+        </p:txBody>
+      </p:sp>
+      <p:sp>
+        <p:nvSpPr>
+          <p:cNvPr id="5" name="Fußzeilenplatzhalter 4"/>
+          <p:cNvSpPr>
+            <a:spLocks noGrp="1"/>
+          </p:cNvSpPr>
+          <p:nvPr>
+            <p:ph type="ftr" sz="quarter" idx="11"/>
+          </p:nvPr>
+        </p:nvSpPr>
+        <p:spPr/>
+        <p:txBody>
+          <a:bodyPr/>
+          <a:lstStyle/>
+          <a:p>
+            <a:r>
+              <a:rPr lang="de-DE" smtClean="0"/>
+              <a:t>TaWusel - Abschlusspräsentation</a:t>
+            </a:r>
+            <a:endParaRPr lang="de-DE"/>
+          </a:p>
+        </p:txBody>
+      </p:sp>
+      <p:sp>
+        <p:nvSpPr>
+          <p:cNvPr id="6" name="Foliennummernplatzhalter 5"/>
+          <p:cNvSpPr>
+            <a:spLocks noGrp="1"/>
+          </p:cNvSpPr>
+          <p:nvPr>
+            <p:ph type="sldNum" sz="quarter" idx="12"/>
+          </p:nvPr>
+        </p:nvSpPr>
+        <p:spPr/>
+        <p:txBody>
+          <a:bodyPr/>
+          <a:lstStyle/>
+          <a:p>
+            <a:fld id="{6C6AE60A-B69C-4790-82F7-3882EDF23186}" type="slidenum">
+              <a:rPr lang="de-DE" smtClean="0"/>
+              <a:pPr/>
+              <a:t>5</a:t>
+            </a:fld>
+            <a:endParaRPr lang="de-DE"/>
+          </a:p>
+        </p:txBody>
+      </p:sp>
+      <p:pic>
+        <p:nvPicPr>
+          <p:cNvPr id="2050" name="Picture 2" descr="http://icons.iconarchive.com/icons/deleket/button/128/Button-Add-icon.png"/>
+          <p:cNvPicPr>
+            <a:picLocks noChangeAspect="1" noChangeArrowheads="1"/>
+          </p:cNvPicPr>
+          <p:nvPr/>
+        </p:nvPicPr>
+        <p:blipFill>
+          <a:blip r:embed="rId2" cstate="print"/>
+          <a:srcRect/>
+          <a:stretch>
+            <a:fillRect/>
+          </a:stretch>
+        </p:blipFill>
+        <p:spPr bwMode="auto">
+          <a:xfrm>
+            <a:off x="539552" y="1196752"/>
+            <a:ext cx="288032" cy="288032"/>
+          </a:xfrm>
+          <a:prstGeom prst="rect">
+            <a:avLst/>
+          </a:prstGeom>
+          <a:noFill/>
+        </p:spPr>
+      </p:pic>
+      <p:pic>
+        <p:nvPicPr>
+          <p:cNvPr id="8" name="Picture 2" descr="http://icons.iconarchive.com/icons/deleket/button/128/Button-Add-icon.png"/>
+          <p:cNvPicPr>
+            <a:picLocks noChangeAspect="1" noChangeArrowheads="1"/>
+          </p:cNvPicPr>
+          <p:nvPr/>
+        </p:nvPicPr>
+        <p:blipFill>
+          <a:blip r:embed="rId2" cstate="print"/>
+          <a:srcRect/>
+          <a:stretch>
+            <a:fillRect/>
+          </a:stretch>
+        </p:blipFill>
+        <p:spPr bwMode="auto">
+          <a:xfrm>
+            <a:off x="539552" y="1628800"/>
+            <a:ext cx="288032" cy="288032"/>
+          </a:xfrm>
+          <a:prstGeom prst="rect">
+            <a:avLst/>
+          </a:prstGeom>
+          <a:noFill/>
+        </p:spPr>
+      </p:pic>
+      <p:pic>
+        <p:nvPicPr>
+          <p:cNvPr id="9" name="Picture 2" descr="http://icons.iconarchive.com/icons/deleket/button/128/Button-Add-icon.png"/>
+          <p:cNvPicPr>
+            <a:picLocks noChangeAspect="1" noChangeArrowheads="1"/>
+          </p:cNvPicPr>
+          <p:nvPr/>
+        </p:nvPicPr>
+        <p:blipFill>
+          <a:blip r:embed="rId2" cstate="print"/>
+          <a:srcRect/>
+          <a:stretch>
+            <a:fillRect/>
+          </a:stretch>
+        </p:blipFill>
+        <p:spPr bwMode="auto">
+          <a:xfrm>
+            <a:off x="539552" y="2060848"/>
+            <a:ext cx="288032" cy="288032"/>
+          </a:xfrm>
+          <a:prstGeom prst="rect">
+            <a:avLst/>
+          </a:prstGeom>
+          <a:noFill/>
+        </p:spPr>
+      </p:pic>
+      <p:pic>
+        <p:nvPicPr>
+          <p:cNvPr id="10" name="Picture 2" descr="http://icons.iconarchive.com/icons/deleket/button/128/Button-Add-icon.png"/>
+          <p:cNvPicPr>
+            <a:picLocks noChangeAspect="1" noChangeArrowheads="1"/>
+          </p:cNvPicPr>
+          <p:nvPr/>
+        </p:nvPicPr>
+        <p:blipFill>
+          <a:blip r:embed="rId2" cstate="print"/>
+          <a:srcRect/>
+          <a:stretch>
+            <a:fillRect/>
+          </a:stretch>
+        </p:blipFill>
+        <p:spPr bwMode="auto">
+          <a:xfrm>
+            <a:off x="539552" y="2492896"/>
+            <a:ext cx="288032" cy="288032"/>
+          </a:xfrm>
+          <a:prstGeom prst="rect">
+            <a:avLst/>
+          </a:prstGeom>
+          <a:noFill/>
+        </p:spPr>
+      </p:pic>
+      <p:pic>
+        <p:nvPicPr>
+          <p:cNvPr id="11" name="Picture 2" descr="http://icons.iconarchive.com/icons/deleket/button/128/Button-Add-icon.png"/>
+          <p:cNvPicPr>
+            <a:picLocks noChangeAspect="1" noChangeArrowheads="1"/>
+          </p:cNvPicPr>
+          <p:nvPr/>
+        </p:nvPicPr>
+        <p:blipFill>
+          <a:blip r:embed="rId2" cstate="print"/>
+          <a:srcRect/>
+          <a:stretch>
+            <a:fillRect/>
+          </a:stretch>
+        </p:blipFill>
+        <p:spPr bwMode="auto">
+          <a:xfrm>
+            <a:off x="539552" y="2996952"/>
+            <a:ext cx="288032" cy="288032"/>
+          </a:xfrm>
+          <a:prstGeom prst="rect">
+            <a:avLst/>
+          </a:prstGeom>
+          <a:noFill/>
+        </p:spPr>
+      </p:pic>
+      <p:pic>
+        <p:nvPicPr>
+          <p:cNvPr id="12" name="Picture 2" descr="http://icons.iconarchive.com/icons/deleket/button/128/Button-Add-icon.png"/>
+          <p:cNvPicPr>
+            <a:picLocks noChangeAspect="1" noChangeArrowheads="1"/>
+          </p:cNvPicPr>
+          <p:nvPr/>
+        </p:nvPicPr>
+        <p:blipFill>
+          <a:blip r:embed="rId2" cstate="print"/>
+          <a:srcRect/>
+          <a:stretch>
+            <a:fillRect/>
+          </a:stretch>
+        </p:blipFill>
+        <p:spPr bwMode="auto">
+          <a:xfrm>
+            <a:off x="539552" y="3429000"/>
+            <a:ext cx="288032" cy="288032"/>
+          </a:xfrm>
+          <a:prstGeom prst="rect">
+            <a:avLst/>
+          </a:prstGeom>
+          <a:noFill/>
+        </p:spPr>
+      </p:pic>
+    </p:spTree>
+  </p:cSld>
+  <p:clrMapOvr>
+    <a:masterClrMapping/>
+  </p:clrMapOvr>
+  <p:timing>
+    <p:tnLst>
+      <p:par>
+        <p:cTn id="1" dur="indefinite" restart="never" nodeType="tmRoot"/>
+      </p:par>
+    </p:tnLst>
+  </p:timing>
+</p:sld>
+</file>
+
+<file path=ppt/slides/slide6.xml><?xml version="1.0" encoding="utf-8"?>
+<p:sld xmlns:a="http://schemas.openxmlformats.org/drawingml/2006/main" xmlns:r="http://schemas.openxmlformats.org/officeDocument/2006/relationships" xmlns:p="http://schemas.openxmlformats.org/presentationml/2006/main">
+  <p:cSld>
+    <p:spTree>
+      <p:nvGrpSpPr>
+        <p:cNvPr id="1" name=""/>
+        <p:cNvGrpSpPr/>
+        <p:nvPr/>
+      </p:nvGrpSpPr>
+      <p:grpSpPr>
+        <a:xfrm>
+          <a:off x="0" y="0"/>
+          <a:ext cx="0" cy="0"/>
+          <a:chOff x="0" y="0"/>
+          <a:chExt cx="0" cy="0"/>
+        </a:xfrm>
+      </p:grpSpPr>
+      <p:sp>
+        <p:nvSpPr>
+          <p:cNvPr id="2" name="Titel 1"/>
+          <p:cNvSpPr>
+            <a:spLocks noGrp="1"/>
+          </p:cNvSpPr>
+          <p:nvPr>
+            <p:ph type="title"/>
+          </p:nvPr>
+        </p:nvSpPr>
+        <p:spPr/>
+        <p:txBody>
+          <a:bodyPr/>
+          <a:lstStyle/>
+          <a:p>
+            <a:r>
+              <a:rPr lang="de-DE" dirty="0" smtClean="0"/>
+              <a:t>Präsentation </a:t>
+            </a:r>
+            <a:r>
+              <a:rPr lang="de-DE" dirty="0" err="1" smtClean="0"/>
+              <a:t>TaWusel</a:t>
+            </a:r>
+            <a:r>
+              <a:rPr lang="de-DE" dirty="0" smtClean="0"/>
+              <a:t> - Kostenrechnung</a:t>
+            </a:r>
+            <a:endParaRPr lang="de-DE" dirty="0"/>
+          </a:p>
+        </p:txBody>
+      </p:sp>
+      <p:sp>
+        <p:nvSpPr>
+          <p:cNvPr id="3" name="Inhaltsplatzhalter 2"/>
+          <p:cNvSpPr>
+            <a:spLocks noGrp="1"/>
+          </p:cNvSpPr>
+          <p:nvPr>
+            <p:ph idx="1"/>
+          </p:nvPr>
+        </p:nvSpPr>
+        <p:spPr>
+          <a:xfrm>
+            <a:off x="457200" y="1124744"/>
+            <a:ext cx="8435280" cy="5001419"/>
+          </a:xfrm>
+        </p:spPr>
         <p:txBody>
           <a:bodyPr>
             <a:normAutofit/>
@@ -5931,70 +5457,68 @@
           <a:p>
             <a:r>
               <a:rPr lang="de-DE" dirty="0" smtClean="0"/>
-              <a:t>Kostenrechnung</a:t>
-            </a:r>
-            <a:endParaRPr lang="de-DE" dirty="0" smtClean="0"/>
-          </a:p>
-          <a:p>
-            <a:pPr>
-              <a:buNone/>
-            </a:pPr>
+              <a:t>Situation: 	12 Mitarbeiter der </a:t>
+            </a:r>
+            <a:r>
+              <a:rPr lang="de-DE" dirty="0" err="1" smtClean="0"/>
+              <a:t>Carmeq</a:t>
+            </a:r>
             <a:r>
               <a:rPr lang="de-DE" dirty="0" smtClean="0"/>
-              <a:t>	</a:t>
-            </a:r>
-            <a:r>
-              <a:rPr lang="de-DE" sz="1800" dirty="0" smtClean="0"/>
-              <a:t>Situation: 	12 Mitarbeiter der </a:t>
-            </a:r>
-            <a:r>
-              <a:rPr lang="de-DE" sz="1800" dirty="0" err="1" smtClean="0"/>
-              <a:t>Carmeq</a:t>
-            </a:r>
-            <a:r>
-              <a:rPr lang="de-DE" sz="1800" dirty="0" smtClean="0"/>
-              <a:t> fahren in Wolfsburg vom Hauptbahn-</a:t>
-            </a:r>
-            <a:br>
-              <a:rPr lang="de-DE" sz="1800" dirty="0" smtClean="0"/>
-            </a:br>
-            <a:r>
-              <a:rPr lang="de-DE" sz="1800" dirty="0" smtClean="0"/>
-              <a:t> 		hof zum Standort </a:t>
-            </a:r>
-            <a:r>
-              <a:rPr lang="de-DE" sz="1800" dirty="0" smtClean="0"/>
-              <a:t>Autovision</a:t>
-            </a:r>
-            <a:r>
-              <a:rPr lang="de-DE" sz="1800" dirty="0" smtClean="0"/>
-              <a:t>. </a:t>
-            </a:r>
-            <a:endParaRPr lang="de-DE" dirty="0" smtClean="0"/>
-          </a:p>
-          <a:p>
-            <a:pPr>
-              <a:buNone/>
-            </a:pPr>
-            <a:r>
-              <a:rPr lang="de-DE" dirty="0" smtClean="0"/>
-              <a:t/>
+              <a:t> fahren in Wolfsburg </a:t>
             </a:r>
             <a:br>
               <a:rPr lang="de-DE" dirty="0" smtClean="0"/>
             </a:br>
             <a:r>
               <a:rPr lang="de-DE" dirty="0" smtClean="0"/>
-              <a:t>	12 x 8,50€ = 	102 €</a:t>
+              <a:t>		vom Hauptbahnhof zum Standort Autovision. </a:t>
             </a:r>
           </a:p>
           <a:p>
             <a:pPr>
               <a:buNone/>
             </a:pPr>
+            <a:endParaRPr lang="de-DE" dirty="0" smtClean="0"/>
+          </a:p>
+          <a:p>
+            <a:pPr>
+              <a:buNone/>
+            </a:pPr>
+            <a:endParaRPr lang="de-DE" dirty="0" smtClean="0"/>
+          </a:p>
+          <a:p>
+            <a:pPr>
+              <a:buNone/>
+            </a:pPr>
+            <a:endParaRPr lang="de-DE" dirty="0" smtClean="0"/>
+          </a:p>
+          <a:p>
+            <a:pPr>
+              <a:buNone/>
+            </a:pPr>
+            <a:endParaRPr lang="de-DE" dirty="0" smtClean="0"/>
+          </a:p>
+          <a:p>
+            <a:pPr>
+              <a:buNone/>
+            </a:pPr>
+            <a:endParaRPr lang="de-DE" dirty="0" smtClean="0"/>
+          </a:p>
+          <a:p>
+            <a:pPr>
+              <a:buNone/>
+            </a:pPr>
             <a:r>
               <a:rPr lang="de-DE" dirty="0" smtClean="0"/>
-              <a:t>		4 x 8,50€   =    	  34 €    </a:t>
+              <a:t/>
+            </a:r>
+            <a:br>
+              <a:rPr lang="de-DE" dirty="0" smtClean="0"/>
+            </a:br>
+            <a:r>
+              <a:rPr lang="de-DE" dirty="0" smtClean="0"/>
+              <a:t>Alle fahren einzeln:			12 x 8,50€ = 	102 €</a:t>
             </a:r>
           </a:p>
           <a:p>
@@ -6003,7 +5527,16 @@
             </a:pPr>
             <a:r>
               <a:rPr lang="de-DE" dirty="0" smtClean="0"/>
-              <a:t>			           </a:t>
+              <a:t>	3 Leute teilen sich ein Taxi:		4 x 8,50€   =    	  34 €    </a:t>
+            </a:r>
+          </a:p>
+          <a:p>
+            <a:pPr>
+              <a:buNone/>
+            </a:pPr>
+            <a:r>
+              <a:rPr lang="de-DE" dirty="0" smtClean="0"/>
+              <a:t>				     		Ersparnis:         	  74 €     </a:t>
             </a:r>
             <a:r>
               <a:rPr lang="de-DE" u="dbl" dirty="0" smtClean="0">
@@ -6032,52 +5565,6 @@
               </a:solidFill>
             </a:endParaRPr>
           </a:p>
-          <a:p>
-            <a:r>
-              <a:rPr lang="de-DE" dirty="0" smtClean="0"/>
-              <a:t>Hochgerechnet auf einen Monat:</a:t>
-            </a:r>
-          </a:p>
-          <a:p>
-            <a:pPr lvl="1">
-              <a:buNone/>
-            </a:pPr>
-            <a:r>
-              <a:rPr lang="de-DE" dirty="0" smtClean="0"/>
-              <a:t>Ersparnis:	3366 € – 1122 € = </a:t>
-            </a:r>
-            <a:r>
-              <a:rPr lang="de-DE" dirty="0" smtClean="0">
-                <a:solidFill>
-                  <a:srgbClr val="00B050"/>
-                </a:solidFill>
-              </a:rPr>
-              <a:t>2244 €</a:t>
-            </a:r>
-            <a:r>
-              <a:rPr lang="de-DE" dirty="0" smtClean="0"/>
-              <a:t> pro Monat </a:t>
-            </a:r>
-            <a:br>
-              <a:rPr lang="de-DE" dirty="0" smtClean="0"/>
-            </a:br>
-            <a:r>
-              <a:rPr lang="de-DE" dirty="0" smtClean="0"/>
-              <a:t>		</a:t>
-            </a:r>
-            <a:r>
-              <a:rPr lang="de-DE" sz="1800" dirty="0" smtClean="0"/>
-              <a:t>(9 Personen reisen pro Tag nach Wolfsburg, bei 22 Tagen im </a:t>
-            </a:r>
-            <a:br>
-              <a:rPr lang="de-DE" sz="1800" dirty="0" smtClean="0"/>
-            </a:br>
-            <a:r>
-              <a:rPr lang="de-DE" sz="1800" dirty="0" smtClean="0"/>
-              <a:t> 		  Monat)</a:t>
-            </a:r>
-            <a:endParaRPr lang="de-DE" dirty="0" smtClean="0"/>
-          </a:p>
         </p:txBody>
       </p:sp>
       <p:sp>
@@ -6144,7 +5631,7 @@
             <a:fld id="{6C6AE60A-B69C-4790-82F7-3882EDF23186}" type="slidenum">
               <a:rPr lang="de-DE" smtClean="0"/>
               <a:pPr/>
-              <a:t>4</a:t>
+              <a:t>6</a:t>
             </a:fld>
             <a:endParaRPr lang="de-DE"/>
           </a:p>
@@ -6167,8 +5654,8 @@
         </p:blipFill>
         <p:spPr bwMode="auto">
           <a:xfrm>
-            <a:off x="4572000" y="2492896"/>
-            <a:ext cx="1219200" cy="1219201"/>
+            <a:off x="3707904" y="2348879"/>
+            <a:ext cx="1728192" cy="1728193"/>
           </a:xfrm>
           <a:prstGeom prst="rect">
             <a:avLst/>
@@ -6184,7 +5671,7 @@
         </p:nvCxnSpPr>
         <p:spPr>
           <a:xfrm>
-            <a:off x="1259632" y="3501008"/>
+            <a:off x="4932040" y="5373216"/>
             <a:ext cx="2880320" cy="0"/>
           </a:xfrm>
           <a:prstGeom prst="line">
@@ -6226,496 +5713,6 @@
 </p:sld>
 </file>
 
-<file path=ppt/slides/slide5.xml><?xml version="1.0" encoding="utf-8"?>
-<p:sld xmlns:a="http://schemas.openxmlformats.org/drawingml/2006/main" xmlns:r="http://schemas.openxmlformats.org/officeDocument/2006/relationships" xmlns:p="http://schemas.openxmlformats.org/presentationml/2006/main">
-  <p:cSld>
-    <p:spTree>
-      <p:nvGrpSpPr>
-        <p:cNvPr id="1" name=""/>
-        <p:cNvGrpSpPr/>
-        <p:nvPr/>
-      </p:nvGrpSpPr>
-      <p:grpSpPr>
-        <a:xfrm>
-          <a:off x="0" y="0"/>
-          <a:ext cx="0" cy="0"/>
-          <a:chOff x="0" y="0"/>
-          <a:chExt cx="0" cy="0"/>
-        </a:xfrm>
-      </p:grpSpPr>
-      <p:sp>
-        <p:nvSpPr>
-          <p:cNvPr id="2" name="Titel 1"/>
-          <p:cNvSpPr>
-            <a:spLocks noGrp="1"/>
-          </p:cNvSpPr>
-          <p:nvPr>
-            <p:ph type="title"/>
-          </p:nvPr>
-        </p:nvSpPr>
-        <p:spPr/>
-        <p:txBody>
-          <a:bodyPr/>
-          <a:lstStyle/>
-          <a:p>
-            <a:r>
-              <a:rPr lang="de-DE" dirty="0" smtClean="0"/>
-              <a:t>Agenda</a:t>
-            </a:r>
-            <a:endParaRPr lang="de-DE" dirty="0"/>
-          </a:p>
-        </p:txBody>
-      </p:sp>
-      <p:sp>
-        <p:nvSpPr>
-          <p:cNvPr id="3" name="Inhaltsplatzhalter 2"/>
-          <p:cNvSpPr>
-            <a:spLocks noGrp="1"/>
-          </p:cNvSpPr>
-          <p:nvPr>
-            <p:ph idx="1"/>
-          </p:nvPr>
-        </p:nvSpPr>
-        <p:spPr/>
-        <p:txBody>
-          <a:bodyPr/>
-          <a:lstStyle/>
-          <a:p>
-            <a:pPr marL="457200" indent="-457200">
-              <a:buFont typeface="+mj-lt"/>
-              <a:buAutoNum type="arabicPeriod"/>
-            </a:pPr>
-            <a:r>
-              <a:rPr lang="de-DE" dirty="0" smtClean="0"/>
-              <a:t>Einführung</a:t>
-            </a:r>
-          </a:p>
-          <a:p>
-            <a:pPr marL="457200" indent="-457200">
-              <a:buFont typeface="+mj-lt"/>
-              <a:buAutoNum type="arabicPeriod"/>
-            </a:pPr>
-            <a:r>
-              <a:rPr lang="de-DE" dirty="0" smtClean="0">
-                <a:solidFill>
-                  <a:srgbClr val="FF0000"/>
-                </a:solidFill>
-              </a:rPr>
-              <a:t>Fakten zum Projekt</a:t>
-            </a:r>
-          </a:p>
-          <a:p>
-            <a:pPr marL="457200" indent="-457200">
-              <a:buFont typeface="+mj-lt"/>
-              <a:buAutoNum type="arabicPeriod"/>
-            </a:pPr>
-            <a:r>
-              <a:rPr lang="de-DE" dirty="0" smtClean="0"/>
-              <a:t>Präsentation </a:t>
-            </a:r>
-            <a:r>
-              <a:rPr lang="de-DE" dirty="0" err="1" smtClean="0"/>
-              <a:t>TaWusel</a:t>
-            </a:r>
-            <a:r>
-              <a:rPr lang="de-DE" dirty="0" smtClean="0"/>
-              <a:t> - Webservice</a:t>
-            </a:r>
-          </a:p>
-          <a:p>
-            <a:pPr marL="457200" indent="-457200">
-              <a:buFont typeface="+mj-lt"/>
-              <a:buAutoNum type="arabicPeriod"/>
-            </a:pPr>
-            <a:r>
-              <a:rPr lang="de-DE" dirty="0" smtClean="0"/>
-              <a:t>Präsentation </a:t>
-            </a:r>
-            <a:r>
-              <a:rPr lang="de-DE" dirty="0" err="1" smtClean="0"/>
-              <a:t>TaWusel</a:t>
-            </a:r>
-            <a:r>
-              <a:rPr lang="de-DE" dirty="0" smtClean="0"/>
-              <a:t> – </a:t>
-            </a:r>
-            <a:r>
-              <a:rPr lang="de-DE" dirty="0" err="1" smtClean="0"/>
-              <a:t>Android</a:t>
-            </a:r>
-            <a:r>
-              <a:rPr lang="de-DE" dirty="0" smtClean="0"/>
-              <a:t> </a:t>
-            </a:r>
-            <a:r>
-              <a:rPr lang="de-DE" dirty="0" err="1" smtClean="0"/>
-              <a:t>App</a:t>
-            </a:r>
-            <a:endParaRPr lang="de-DE" dirty="0" smtClean="0"/>
-          </a:p>
-          <a:p>
-            <a:pPr marL="457200" indent="-457200">
-              <a:buFont typeface="+mj-lt"/>
-              <a:buAutoNum type="arabicPeriod"/>
-            </a:pPr>
-            <a:r>
-              <a:rPr lang="de-DE" dirty="0" smtClean="0"/>
-              <a:t>Ausblick</a:t>
-            </a:r>
-          </a:p>
-          <a:p>
-            <a:pPr marL="457200" indent="-457200">
-              <a:buFont typeface="+mj-lt"/>
-              <a:buAutoNum type="arabicPeriod"/>
-            </a:pPr>
-            <a:r>
-              <a:rPr lang="de-DE" dirty="0" smtClean="0"/>
-              <a:t>Diskussion</a:t>
-            </a:r>
-          </a:p>
-        </p:txBody>
-      </p:sp>
-      <p:sp>
-        <p:nvSpPr>
-          <p:cNvPr id="4" name="Datumsplatzhalter 3"/>
-          <p:cNvSpPr>
-            <a:spLocks noGrp="1"/>
-          </p:cNvSpPr>
-          <p:nvPr>
-            <p:ph type="dt" sz="half" idx="10"/>
-          </p:nvPr>
-        </p:nvSpPr>
-        <p:spPr/>
-        <p:txBody>
-          <a:bodyPr/>
-          <a:lstStyle/>
-          <a:p>
-            <a:r>
-              <a:rPr lang="de-DE" smtClean="0"/>
-              <a:t>13.07.2012</a:t>
-            </a:r>
-            <a:endParaRPr lang="de-DE"/>
-          </a:p>
-        </p:txBody>
-      </p:sp>
-      <p:sp>
-        <p:nvSpPr>
-          <p:cNvPr id="5" name="Foliennummernplatzhalter 4"/>
-          <p:cNvSpPr>
-            <a:spLocks noGrp="1"/>
-          </p:cNvSpPr>
-          <p:nvPr>
-            <p:ph type="sldNum" sz="quarter" idx="12"/>
-          </p:nvPr>
-        </p:nvSpPr>
-        <p:spPr/>
-        <p:txBody>
-          <a:bodyPr/>
-          <a:lstStyle/>
-          <a:p>
-            <a:fld id="{6C6AE60A-B69C-4790-82F7-3882EDF23186}" type="slidenum">
-              <a:rPr lang="de-DE" smtClean="0"/>
-              <a:pPr/>
-              <a:t>5</a:t>
-            </a:fld>
-            <a:endParaRPr lang="de-DE"/>
-          </a:p>
-        </p:txBody>
-      </p:sp>
-      <p:sp>
-        <p:nvSpPr>
-          <p:cNvPr id="6" name="Fußzeilenplatzhalter 5"/>
-          <p:cNvSpPr>
-            <a:spLocks noGrp="1"/>
-          </p:cNvSpPr>
-          <p:nvPr>
-            <p:ph type="ftr" sz="quarter" idx="11"/>
-          </p:nvPr>
-        </p:nvSpPr>
-        <p:spPr/>
-        <p:txBody>
-          <a:bodyPr/>
-          <a:lstStyle/>
-          <a:p>
-            <a:r>
-              <a:rPr lang="de-DE" smtClean="0"/>
-              <a:t>TaWusel - Abschlusspräsentation</a:t>
-            </a:r>
-            <a:endParaRPr lang="de-DE"/>
-          </a:p>
-        </p:txBody>
-      </p:sp>
-    </p:spTree>
-  </p:cSld>
-  <p:clrMapOvr>
-    <a:masterClrMapping/>
-  </p:clrMapOvr>
-  <p:timing>
-    <p:tnLst>
-      <p:par>
-        <p:cTn id="1" dur="indefinite" restart="never" nodeType="tmRoot"/>
-      </p:par>
-    </p:tnLst>
-  </p:timing>
-</p:sld>
-</file>
-
-<file path=ppt/slides/slide6.xml><?xml version="1.0" encoding="utf-8"?>
-<p:sld xmlns:a="http://schemas.openxmlformats.org/drawingml/2006/main" xmlns:r="http://schemas.openxmlformats.org/officeDocument/2006/relationships" xmlns:p="http://schemas.openxmlformats.org/presentationml/2006/main">
-  <p:cSld>
-    <p:spTree>
-      <p:nvGrpSpPr>
-        <p:cNvPr id="1" name=""/>
-        <p:cNvGrpSpPr/>
-        <p:nvPr/>
-      </p:nvGrpSpPr>
-      <p:grpSpPr>
-        <a:xfrm>
-          <a:off x="0" y="0"/>
-          <a:ext cx="0" cy="0"/>
-          <a:chOff x="0" y="0"/>
-          <a:chExt cx="0" cy="0"/>
-        </a:xfrm>
-      </p:grpSpPr>
-      <p:sp>
-        <p:nvSpPr>
-          <p:cNvPr id="2" name="Titel 1"/>
-          <p:cNvSpPr>
-            <a:spLocks noGrp="1"/>
-          </p:cNvSpPr>
-          <p:nvPr>
-            <p:ph type="title"/>
-          </p:nvPr>
-        </p:nvSpPr>
-        <p:spPr/>
-        <p:txBody>
-          <a:bodyPr/>
-          <a:lstStyle/>
-          <a:p>
-            <a:r>
-              <a:rPr lang="de-DE" dirty="0" smtClean="0"/>
-              <a:t>Fakten zum Projekt</a:t>
-            </a:r>
-            <a:endParaRPr lang="de-DE" dirty="0"/>
-          </a:p>
-        </p:txBody>
-      </p:sp>
-      <p:sp>
-        <p:nvSpPr>
-          <p:cNvPr id="3" name="Inhaltsplatzhalter 2"/>
-          <p:cNvSpPr>
-            <a:spLocks noGrp="1"/>
-          </p:cNvSpPr>
-          <p:nvPr>
-            <p:ph idx="1"/>
-          </p:nvPr>
-        </p:nvSpPr>
-        <p:spPr/>
-        <p:txBody>
-          <a:bodyPr/>
-          <a:lstStyle/>
-          <a:p>
-            <a:r>
-              <a:rPr lang="de-DE" dirty="0" smtClean="0"/>
-              <a:t>Projektdauer: 		13 Wochen</a:t>
-            </a:r>
-          </a:p>
-          <a:p>
-            <a:r>
-              <a:rPr lang="de-DE" dirty="0" smtClean="0"/>
-              <a:t>#spezifizierte Userstories: 	</a:t>
-            </a:r>
-            <a:r>
-              <a:rPr lang="de-DE" dirty="0" smtClean="0"/>
-              <a:t>30</a:t>
-            </a:r>
-            <a:endParaRPr lang="de-DE" dirty="0" smtClean="0"/>
-          </a:p>
-          <a:p>
-            <a:r>
-              <a:rPr lang="de-DE" dirty="0" smtClean="0"/>
-              <a:t>#umgesetzte Userstories: 	</a:t>
-            </a:r>
-            <a:r>
-              <a:rPr lang="de-DE" dirty="0" smtClean="0"/>
-              <a:t>16</a:t>
-            </a:r>
-            <a:endParaRPr lang="de-DE" dirty="0" smtClean="0"/>
-          </a:p>
-          <a:p>
-            <a:r>
-              <a:rPr lang="de-DE" dirty="0" smtClean="0"/>
-              <a:t>#umgesetzte Tasks: 	</a:t>
-            </a:r>
-            <a:r>
-              <a:rPr lang="de-DE" dirty="0" smtClean="0"/>
-              <a:t>99</a:t>
-            </a:r>
-            <a:endParaRPr lang="de-DE" dirty="0" smtClean="0"/>
-          </a:p>
-          <a:p>
-            <a:endParaRPr lang="de-DE" dirty="0" smtClean="0"/>
-          </a:p>
-          <a:p>
-            <a:r>
-              <a:rPr lang="de-DE" dirty="0" err="1" smtClean="0"/>
-              <a:t>Lines</a:t>
-            </a:r>
-            <a:r>
-              <a:rPr lang="de-DE" dirty="0" smtClean="0"/>
-              <a:t> </a:t>
-            </a:r>
-            <a:r>
-              <a:rPr lang="de-DE" dirty="0" err="1" smtClean="0"/>
-              <a:t>of</a:t>
-            </a:r>
-            <a:r>
-              <a:rPr lang="de-DE" dirty="0" smtClean="0"/>
-              <a:t> Code:		</a:t>
-            </a:r>
-            <a:r>
-              <a:rPr lang="de-DE" dirty="0" smtClean="0"/>
-              <a:t>2200 + 1833</a:t>
-            </a:r>
-            <a:endParaRPr lang="de-DE" dirty="0" smtClean="0"/>
-          </a:p>
-          <a:p>
-            <a:r>
-              <a:rPr lang="de-DE" dirty="0" smtClean="0"/>
-              <a:t>#Pakete:			</a:t>
-            </a:r>
-            <a:r>
-              <a:rPr lang="de-DE" dirty="0" smtClean="0"/>
-              <a:t>8 + 7</a:t>
-            </a:r>
-            <a:endParaRPr lang="de-DE" dirty="0" smtClean="0"/>
-          </a:p>
-          <a:p>
-            <a:r>
-              <a:rPr lang="de-DE" dirty="0" err="1" smtClean="0"/>
-              <a:t>Codecoverage</a:t>
-            </a:r>
-            <a:r>
-              <a:rPr lang="de-DE" dirty="0" smtClean="0"/>
-              <a:t>: 		TODO</a:t>
-            </a:r>
-          </a:p>
-          <a:p>
-            <a:endParaRPr lang="de-DE" dirty="0"/>
-          </a:p>
-        </p:txBody>
-      </p:sp>
-      <p:sp>
-        <p:nvSpPr>
-          <p:cNvPr id="4" name="Datumsplatzhalter 3"/>
-          <p:cNvSpPr>
-            <a:spLocks noGrp="1"/>
-          </p:cNvSpPr>
-          <p:nvPr>
-            <p:ph type="dt" sz="half" idx="10"/>
-          </p:nvPr>
-        </p:nvSpPr>
-        <p:spPr/>
-        <p:txBody>
-          <a:bodyPr/>
-          <a:lstStyle/>
-          <a:p>
-            <a:r>
-              <a:rPr lang="de-DE" smtClean="0"/>
-              <a:t>13.07.2012</a:t>
-            </a:r>
-            <a:endParaRPr lang="de-DE"/>
-          </a:p>
-        </p:txBody>
-      </p:sp>
-      <p:sp>
-        <p:nvSpPr>
-          <p:cNvPr id="5" name="Fußzeilenplatzhalter 4"/>
-          <p:cNvSpPr>
-            <a:spLocks noGrp="1"/>
-          </p:cNvSpPr>
-          <p:nvPr>
-            <p:ph type="ftr" sz="quarter" idx="11"/>
-          </p:nvPr>
-        </p:nvSpPr>
-        <p:spPr/>
-        <p:txBody>
-          <a:bodyPr/>
-          <a:lstStyle/>
-          <a:p>
-            <a:r>
-              <a:rPr lang="de-DE" smtClean="0"/>
-              <a:t>TaWusel - Abschlusspräsentation</a:t>
-            </a:r>
-            <a:endParaRPr lang="de-DE"/>
-          </a:p>
-        </p:txBody>
-      </p:sp>
-      <p:sp>
-        <p:nvSpPr>
-          <p:cNvPr id="6" name="Foliennummernplatzhalter 5"/>
-          <p:cNvSpPr>
-            <a:spLocks noGrp="1"/>
-          </p:cNvSpPr>
-          <p:nvPr>
-            <p:ph type="sldNum" sz="quarter" idx="12"/>
-          </p:nvPr>
-        </p:nvSpPr>
-        <p:spPr/>
-        <p:txBody>
-          <a:bodyPr/>
-          <a:lstStyle/>
-          <a:p>
-            <a:fld id="{6C6AE60A-B69C-4790-82F7-3882EDF23186}" type="slidenum">
-              <a:rPr lang="de-DE" smtClean="0"/>
-              <a:pPr/>
-              <a:t>6</a:t>
-            </a:fld>
-            <a:endParaRPr lang="de-DE"/>
-          </a:p>
-        </p:txBody>
-      </p:sp>
-      <p:pic>
-        <p:nvPicPr>
-          <p:cNvPr id="32772" name="Picture 4" descr="Line chart icon"/>
-          <p:cNvPicPr>
-            <a:picLocks noChangeAspect="1" noChangeArrowheads="1"/>
-          </p:cNvPicPr>
-          <p:nvPr/>
-        </p:nvPicPr>
-        <p:blipFill>
-          <a:blip r:embed="rId2" cstate="print"/>
-          <a:srcRect/>
-          <a:stretch>
-            <a:fillRect/>
-          </a:stretch>
-        </p:blipFill>
-        <p:spPr bwMode="auto">
-          <a:xfrm>
-            <a:off x="5759624" y="1772816"/>
-            <a:ext cx="3384376" cy="3384376"/>
-          </a:xfrm>
-          <a:prstGeom prst="rect">
-            <a:avLst/>
-          </a:prstGeom>
-          <a:noFill/>
-        </p:spPr>
-      </p:pic>
-    </p:spTree>
-  </p:cSld>
-  <p:clrMapOvr>
-    <a:masterClrMapping/>
-  </p:clrMapOvr>
-  <p:timing>
-    <p:tnLst>
-      <p:par>
-        <p:cTn id="1" dur="indefinite" restart="never" nodeType="tmRoot"/>
-      </p:par>
-    </p:tnLst>
-  </p:timing>
-</p:sld>
-</file>
-
 <file path=ppt/slides/slide7.xml><?xml version="1.0" encoding="utf-8"?>
 <p:sld xmlns:a="http://schemas.openxmlformats.org/drawingml/2006/main" xmlns:r="http://schemas.openxmlformats.org/officeDocument/2006/relationships" xmlns:p="http://schemas.openxmlformats.org/presentationml/2006/main">
   <p:cSld>
@@ -6750,7 +5747,7 @@
           <a:p>
             <a:r>
               <a:rPr lang="de-DE" dirty="0" smtClean="0"/>
-              <a:t>Agenda</a:t>
+              <a:t>Ausblick - Webservice</a:t>
             </a:r>
             <a:endParaRPr lang="de-DE" dirty="0"/>
           </a:p>
@@ -6771,105 +5768,38 @@
           <a:bodyPr/>
           <a:lstStyle/>
           <a:p>
-            <a:pPr marL="457200" indent="-457200">
-              <a:buFont typeface="+mj-lt"/>
-              <a:buAutoNum type="arabicPeriod"/>
-            </a:pPr>
             <a:r>
               <a:rPr lang="de-DE" dirty="0" smtClean="0"/>
-              <a:t>Einführung</a:t>
-            </a:r>
-          </a:p>
-          <a:p>
-            <a:pPr marL="457200" indent="-457200">
-              <a:buFont typeface="+mj-lt"/>
-              <a:buAutoNum type="arabicPeriod"/>
-            </a:pPr>
+              <a:t>Automatisiertes Bestellen des Taxis über Onlineschnittstelle</a:t>
+            </a:r>
+          </a:p>
+          <a:p>
             <a:r>
               <a:rPr lang="de-DE" dirty="0" smtClean="0"/>
-              <a:t>Fakten zum Projekt</a:t>
-            </a:r>
-          </a:p>
-          <a:p>
-            <a:pPr marL="457200" indent="-457200">
-              <a:buFont typeface="+mj-lt"/>
-              <a:buAutoNum type="arabicPeriod"/>
-            </a:pPr>
-            <a:r>
-              <a:rPr lang="de-DE" dirty="0" smtClean="0">
-                <a:solidFill>
-                  <a:srgbClr val="FF0000"/>
-                </a:solidFill>
-              </a:rPr>
-              <a:t>Präsentation </a:t>
-            </a:r>
-            <a:r>
-              <a:rPr lang="de-DE" dirty="0" err="1" smtClean="0">
-                <a:solidFill>
-                  <a:srgbClr val="FF0000"/>
-                </a:solidFill>
-              </a:rPr>
-              <a:t>TaWusel</a:t>
-            </a:r>
-            <a:r>
-              <a:rPr lang="de-DE" dirty="0" smtClean="0">
-                <a:solidFill>
-                  <a:srgbClr val="FF0000"/>
-                </a:solidFill>
-              </a:rPr>
-              <a:t> Webservice</a:t>
-            </a:r>
-          </a:p>
-          <a:p>
-            <a:pPr marL="457200" indent="-457200">
-              <a:buFont typeface="+mj-lt"/>
-              <a:buAutoNum type="arabicPeriod"/>
-            </a:pPr>
+              <a:t>Fahrten dynamisch anderen Initiatoren zuweisen</a:t>
+            </a:r>
+          </a:p>
+          <a:p>
             <a:r>
               <a:rPr lang="de-DE" dirty="0" smtClean="0"/>
-              <a:t>Präsentation </a:t>
-            </a:r>
-            <a:r>
-              <a:rPr lang="de-DE" dirty="0" err="1" smtClean="0"/>
-              <a:t>TaWusel</a:t>
-            </a:r>
+              <a:t>Automatischer Vorschlag, wenn beim Erstellen einer Fahrt eine Mitfahrgelegenheit gefunden wird</a:t>
+            </a:r>
+          </a:p>
+          <a:p>
             <a:r>
               <a:rPr lang="de-DE" dirty="0" smtClean="0"/>
-              <a:t>  </a:t>
-            </a:r>
-            <a:r>
-              <a:rPr lang="de-DE" dirty="0" err="1" smtClean="0"/>
-              <a:t>Android</a:t>
-            </a:r>
+              <a:t>Planen einer Rückreise mit einem Klick</a:t>
+            </a:r>
+          </a:p>
+          <a:p>
             <a:r>
               <a:rPr lang="de-DE" dirty="0" smtClean="0"/>
-              <a:t> </a:t>
-            </a:r>
-            <a:r>
-              <a:rPr lang="de-DE" dirty="0" err="1" smtClean="0"/>
-              <a:t>App</a:t>
-            </a:r>
-            <a:endParaRPr lang="de-DE" dirty="0" smtClean="0"/>
-          </a:p>
-          <a:p>
-            <a:pPr marL="457200" indent="-457200">
-              <a:buFont typeface="+mj-lt"/>
-              <a:buAutoNum type="arabicPeriod"/>
-            </a:pPr>
-            <a:r>
-              <a:rPr lang="de-DE" dirty="0" smtClean="0"/>
-              <a:t>Ausblick</a:t>
-            </a:r>
-          </a:p>
-          <a:p>
-            <a:pPr marL="457200" indent="-457200">
-              <a:buFont typeface="+mj-lt"/>
-              <a:buAutoNum type="arabicPeriod"/>
-            </a:pPr>
-            <a:r>
-              <a:rPr lang="de-DE" dirty="0" smtClean="0"/>
-              <a:t>Diskussion</a:t>
-            </a:r>
+              <a:t>Beantworten der SMS Benachrichtigungen zum Bestätigen einer Fahrt</a:t>
+            </a:r>
+          </a:p>
+          <a:p>
+            <a:pPr lvl="1"/>
+            <a:endParaRPr lang="de-DE" dirty="0"/>
           </a:p>
         </p:txBody>
       </p:sp>
@@ -6898,7 +5828,30 @@
       </p:sp>
       <p:sp>
         <p:nvSpPr>
-          <p:cNvPr id="5" name="Foliennummernplatzhalter 4"/>
+          <p:cNvPr id="5" name="Fußzeilenplatzhalter 4"/>
+          <p:cNvSpPr>
+            <a:spLocks noGrp="1"/>
+          </p:cNvSpPr>
+          <p:nvPr>
+            <p:ph type="ftr" sz="quarter" idx="11"/>
+          </p:nvPr>
+        </p:nvSpPr>
+        <p:spPr/>
+        <p:txBody>
+          <a:bodyPr/>
+          <a:lstStyle/>
+          <a:p>
+            <a:r>
+              <a:rPr lang="de-DE" smtClean="0"/>
+              <a:t>TaWusel - Abschlusspräsentation</a:t>
+            </a:r>
+            <a:endParaRPr lang="de-DE"/>
+          </a:p>
+        </p:txBody>
+      </p:sp>
+      <p:sp>
+        <p:nvSpPr>
+          <p:cNvPr id="6" name="Foliennummernplatzhalter 5"/>
           <p:cNvSpPr>
             <a:spLocks noGrp="1"/>
           </p:cNvSpPr>
@@ -6920,29 +5873,32 @@
           </a:p>
         </p:txBody>
       </p:sp>
-      <p:sp>
-        <p:nvSpPr>
-          <p:cNvPr id="6" name="Fußzeilenplatzhalter 5"/>
-          <p:cNvSpPr>
-            <a:spLocks noGrp="1"/>
-          </p:cNvSpPr>
-          <p:nvPr>
-            <p:ph type="ftr" sz="quarter" idx="11"/>
-          </p:nvPr>
-        </p:nvSpPr>
-        <p:spPr/>
-        <p:txBody>
-          <a:bodyPr/>
-          <a:lstStyle/>
-          <a:p>
-            <a:r>
-              <a:rPr lang="de-DE" smtClean="0"/>
-              <a:t>TaWusel - Abschlusspräsentation</a:t>
-            </a:r>
-            <a:endParaRPr lang="de-DE"/>
-          </a:p>
-        </p:txBody>
-      </p:sp>
+      <p:pic>
+        <p:nvPicPr>
+          <p:cNvPr id="28674" name="Picture 2" descr="http://icons.iconarchive.com/icons/deleket/scrap/128/Magnifying-Glass-icon.png"/>
+          <p:cNvPicPr>
+            <a:picLocks noChangeAspect="1" noChangeArrowheads="1"/>
+          </p:cNvPicPr>
+          <p:nvPr/>
+        </p:nvPicPr>
+        <p:blipFill>
+          <a:blip r:embed="rId2" cstate="print"/>
+          <a:srcRect/>
+          <a:stretch>
+            <a:fillRect/>
+          </a:stretch>
+        </p:blipFill>
+        <p:spPr bwMode="auto">
+          <a:xfrm>
+            <a:off x="7596336" y="5229200"/>
+            <a:ext cx="1219200" cy="1219201"/>
+          </a:xfrm>
+          <a:prstGeom prst="rect">
+            <a:avLst/>
+          </a:prstGeom>
+          <a:noFill/>
+        </p:spPr>
+      </p:pic>
     </p:spTree>
   </p:cSld>
   <p:clrMapOvr>
@@ -6992,15 +5948,19 @@
           <a:p>
             <a:r>
               <a:rPr lang="de-DE" dirty="0" smtClean="0"/>
-              <a:t>Präsentation </a:t>
+              <a:t>Ausblick – </a:t>
             </a:r>
             <a:r>
               <a:rPr lang="de-DE" dirty="0" err="1" smtClean="0"/>
-              <a:t>TaWusel</a:t>
+              <a:t>Android</a:t>
             </a:r>
             <a:r>
               <a:rPr lang="de-DE" dirty="0" smtClean="0"/>
-              <a:t> Webservice</a:t>
+              <a:t> </a:t>
+            </a:r>
+            <a:r>
+              <a:rPr lang="de-DE" dirty="0" err="1" smtClean="0"/>
+              <a:t>App</a:t>
             </a:r>
             <a:endParaRPr lang="de-DE" dirty="0"/>
           </a:p>
@@ -7023,10 +5983,111 @@
           <a:p>
             <a:r>
               <a:rPr lang="de-DE" dirty="0" smtClean="0"/>
-              <a:t>TODO Beispielvideo</a:t>
-            </a:r>
-          </a:p>
-          <a:p>
+              <a:t>Look &amp; </a:t>
+            </a:r>
+            <a:r>
+              <a:rPr lang="de-DE" dirty="0" err="1" smtClean="0"/>
+              <a:t>Feel</a:t>
+            </a:r>
+            <a:r>
+              <a:rPr lang="de-DE" dirty="0" smtClean="0"/>
+              <a:t> verbessern</a:t>
+            </a:r>
+          </a:p>
+          <a:p>
+            <a:r>
+              <a:rPr lang="de-DE" dirty="0" smtClean="0"/>
+              <a:t>Funktionalitäten erweitern (Profil, etc.)</a:t>
+            </a:r>
+          </a:p>
+          <a:p>
+            <a:r>
+              <a:rPr lang="de-DE" dirty="0" smtClean="0"/>
+              <a:t>Standortbestimmung </a:t>
+            </a:r>
+            <a:r>
+              <a:rPr lang="de-DE" dirty="0" smtClean="0">
+                <a:sym typeface="Wingdings" pitchFamily="2" charset="2"/>
+              </a:rPr>
+              <a:t> </a:t>
+            </a:r>
+          </a:p>
+          <a:p>
+            <a:pPr lvl="1"/>
+            <a:r>
+              <a:rPr lang="de-DE" dirty="0" smtClean="0">
+                <a:sym typeface="Wingdings" pitchFamily="2" charset="2"/>
+              </a:rPr>
+              <a:t>Vorauswahl beim Erstellen einer Fahrt</a:t>
+            </a:r>
+          </a:p>
+          <a:p>
+            <a:pPr lvl="1"/>
+            <a:r>
+              <a:rPr lang="de-DE" dirty="0" smtClean="0">
+                <a:sym typeface="Wingdings" pitchFamily="2" charset="2"/>
+              </a:rPr>
+              <a:t>ggf. </a:t>
+            </a:r>
+            <a:r>
+              <a:rPr lang="de-DE" dirty="0" err="1" smtClean="0">
+                <a:sym typeface="Wingdings" pitchFamily="2" charset="2"/>
+              </a:rPr>
+              <a:t>Tracing</a:t>
+            </a:r>
+            <a:r>
+              <a:rPr lang="de-DE" dirty="0" smtClean="0">
+                <a:sym typeface="Wingdings" pitchFamily="2" charset="2"/>
+              </a:rPr>
+              <a:t> zum erweitern der </a:t>
+            </a:r>
+            <a:r>
+              <a:rPr lang="de-DE" dirty="0" err="1" smtClean="0">
+                <a:sym typeface="Wingdings" pitchFamily="2" charset="2"/>
+              </a:rPr>
+              <a:t>History</a:t>
+            </a:r>
+            <a:r>
+              <a:rPr lang="de-DE" dirty="0" smtClean="0">
+                <a:sym typeface="Wingdings" pitchFamily="2" charset="2"/>
+              </a:rPr>
+              <a:t> </a:t>
+            </a:r>
+          </a:p>
+          <a:p>
+            <a:r>
+              <a:rPr lang="de-DE" dirty="0" smtClean="0">
+                <a:sym typeface="Wingdings" pitchFamily="2" charset="2"/>
+              </a:rPr>
+              <a:t>Benachrichtigungen direkt auf die </a:t>
+            </a:r>
+            <a:r>
+              <a:rPr lang="de-DE" dirty="0" err="1" smtClean="0">
+                <a:sym typeface="Wingdings" pitchFamily="2" charset="2"/>
+              </a:rPr>
+              <a:t>App</a:t>
+            </a:r>
+            <a:r>
+              <a:rPr lang="de-DE" dirty="0" smtClean="0">
+                <a:sym typeface="Wingdings" pitchFamily="2" charset="2"/>
+              </a:rPr>
+              <a:t> anstatt als Mail oder SMS</a:t>
+            </a:r>
+          </a:p>
+          <a:p>
+            <a:r>
+              <a:rPr lang="de-DE" dirty="0" smtClean="0">
+                <a:sym typeface="Wingdings" pitchFamily="2" charset="2"/>
+              </a:rPr>
+              <a:t>Aktualisieren der Tabelle erfolgt automatisch per Push-Befehl vom Webservice</a:t>
+            </a:r>
+          </a:p>
+          <a:p>
+            <a:pPr lvl="1"/>
+            <a:endParaRPr lang="de-DE" dirty="0" smtClean="0"/>
+          </a:p>
+          <a:p>
+            <a:pPr lvl="1"/>
             <a:endParaRPr lang="de-DE" dirty="0"/>
           </a:p>
         </p:txBody>
@@ -7101,6 +6162,32 @@
           </a:p>
         </p:txBody>
       </p:sp>
+      <p:pic>
+        <p:nvPicPr>
+          <p:cNvPr id="28674" name="Picture 2" descr="http://icons.iconarchive.com/icons/deleket/scrap/128/Magnifying-Glass-icon.png"/>
+          <p:cNvPicPr>
+            <a:picLocks noChangeAspect="1" noChangeArrowheads="1"/>
+          </p:cNvPicPr>
+          <p:nvPr/>
+        </p:nvPicPr>
+        <p:blipFill>
+          <a:blip r:embed="rId2" cstate="print"/>
+          <a:srcRect/>
+          <a:stretch>
+            <a:fillRect/>
+          </a:stretch>
+        </p:blipFill>
+        <p:spPr bwMode="auto">
+          <a:xfrm>
+            <a:off x="7596336" y="5229200"/>
+            <a:ext cx="1219200" cy="1219201"/>
+          </a:xfrm>
+          <a:prstGeom prst="rect">
+            <a:avLst/>
+          </a:prstGeom>
+          <a:noFill/>
+        </p:spPr>
+      </p:pic>
     </p:spTree>
   </p:cSld>
   <p:clrMapOvr>
@@ -7150,7 +6237,7 @@
           <a:p>
             <a:r>
               <a:rPr lang="de-DE" dirty="0" smtClean="0"/>
-              <a:t>Agenda</a:t>
+              <a:t>Ausblick - Integration</a:t>
             </a:r>
             <a:endParaRPr lang="de-DE" dirty="0"/>
           </a:p>
@@ -7171,121 +6258,54 @@
           <a:bodyPr/>
           <a:lstStyle/>
           <a:p>
-            <a:pPr marL="457200" indent="-457200">
-              <a:buFont typeface="+mj-lt"/>
-              <a:buAutoNum type="arabicPeriod"/>
-            </a:pPr>
+            <a:r>
+              <a:rPr lang="de-DE" dirty="0" err="1" smtClean="0"/>
+              <a:t>Social</a:t>
+            </a:r>
             <a:r>
               <a:rPr lang="de-DE" dirty="0" smtClean="0"/>
-              <a:t>Einführung</a:t>
-            </a:r>
-          </a:p>
-          <a:p>
-            <a:pPr marL="457200" indent="-457200">
-              <a:buFont typeface="+mj-lt"/>
-              <a:buAutoNum type="arabicPeriod"/>
-            </a:pPr>
+              <a:t> </a:t>
+            </a:r>
+            <a:r>
+              <a:rPr lang="de-DE" dirty="0" err="1" smtClean="0"/>
+              <a:t>Traveling</a:t>
+            </a:r>
+            <a:endParaRPr lang="de-DE" dirty="0" smtClean="0"/>
+          </a:p>
+          <a:p>
+            <a:pPr lvl="1"/>
             <a:r>
               <a:rPr lang="de-DE" dirty="0" smtClean="0"/>
-              <a:t>Fakten zum Projekt</a:t>
-            </a:r>
-          </a:p>
-          <a:p>
-            <a:pPr marL="457200" indent="-457200">
-              <a:buFont typeface="+mj-lt"/>
-              <a:buAutoNum type="arabicPeriod"/>
-            </a:pPr>
+              <a:t>Anzeigen welche Mitarbeiter sich im Zug befinden</a:t>
+            </a:r>
+          </a:p>
+          <a:p>
+            <a:pPr lvl="1"/>
             <a:r>
               <a:rPr lang="de-DE" dirty="0" smtClean="0"/>
-              <a:t>Präsentation </a:t>
-            </a:r>
+              <a:t>ggf. anzeigen welche Mitarbeiter Interesse an einem Taxi haben</a:t>
+            </a:r>
+          </a:p>
+          <a:p>
             <a:r>
               <a:rPr lang="de-DE" dirty="0" err="1" smtClean="0"/>
-              <a:t>TaWusel</a:t>
+              <a:t>Carma</a:t>
+            </a:r>
+            <a:endParaRPr lang="de-DE" dirty="0" smtClean="0"/>
+          </a:p>
+          <a:p>
+            <a:pPr lvl="1"/>
+            <a:r>
+              <a:rPr lang="de-DE" dirty="0" err="1" smtClean="0"/>
+              <a:t>Carmapunkte</a:t>
             </a:r>
             <a:r>
               <a:rPr lang="de-DE" dirty="0" smtClean="0"/>
-              <a:t> - Webservice</a:t>
-            </a:r>
-          </a:p>
-          <a:p>
-            <a:pPr marL="457200" indent="-457200">
-              <a:buFont typeface="+mj-lt"/>
-              <a:buAutoNum type="arabicPeriod"/>
-            </a:pPr>
-            <a:r>
-              <a:rPr lang="de-DE" dirty="0" smtClean="0">
-                <a:solidFill>
-                  <a:srgbClr val="FF0000"/>
-                </a:solidFill>
-              </a:rPr>
-              <a:t>Präsentation </a:t>
-            </a:r>
-            <a:r>
-              <a:rPr lang="de-DE" dirty="0" err="1" smtClean="0">
-                <a:solidFill>
-                  <a:srgbClr val="FF0000"/>
-                </a:solidFill>
-              </a:rPr>
-              <a:t>TaWusel</a:t>
-            </a:r>
-            <a:r>
-              <a:rPr lang="de-DE" dirty="0" smtClean="0">
-                <a:solidFill>
-                  <a:srgbClr val="FF0000"/>
-                </a:solidFill>
-              </a:rPr>
-              <a:t> – </a:t>
-            </a:r>
-            <a:r>
-              <a:rPr lang="de-DE" dirty="0" err="1" smtClean="0">
-                <a:solidFill>
-                  <a:srgbClr val="FF0000"/>
-                </a:solidFill>
-              </a:rPr>
-              <a:t>Android</a:t>
-            </a:r>
-            <a:r>
-              <a:rPr lang="de-DE" dirty="0" smtClean="0">
-                <a:solidFill>
-                  <a:srgbClr val="FF0000"/>
-                </a:solidFill>
-              </a:rPr>
-              <a:t> </a:t>
-            </a:r>
-            <a:r>
-              <a:rPr lang="de-DE" dirty="0" err="1" smtClean="0">
-                <a:solidFill>
-                  <a:srgbClr val="FF0000"/>
-                </a:solidFill>
-              </a:rPr>
-              <a:t>App</a:t>
-            </a:r>
-            <a:endParaRPr lang="de-DE" dirty="0" smtClean="0">
-              <a:solidFill>
-                <a:srgbClr val="FF0000"/>
-              </a:solidFill>
-            </a:endParaRPr>
-          </a:p>
-          <a:p>
-            <a:pPr marL="457200" indent="-457200">
-              <a:buFont typeface="+mj-lt"/>
-              <a:buAutoNum type="arabicPeriod"/>
-            </a:pPr>
-            <a:r>
-              <a:rPr lang="de-DE" dirty="0" smtClean="0"/>
-              <a:t>Ausblick</a:t>
-            </a:r>
-          </a:p>
-          <a:p>
-            <a:pPr marL="457200" indent="-457200">
-              <a:buFont typeface="+mj-lt"/>
-              <a:buAutoNum type="arabicPeriod"/>
-            </a:pPr>
-            <a:r>
-              <a:rPr lang="de-DE" dirty="0" smtClean="0"/>
-              <a:t>Diskussion</a:t>
-            </a:r>
+              <a:t> für das anbieten einer Mitfahrgelegenheit</a:t>
+            </a:r>
+          </a:p>
+          <a:p>
+            <a:endParaRPr lang="de-DE" dirty="0"/>
           </a:p>
         </p:txBody>
       </p:sp>
@@ -7314,7 +6334,30 @@
       </p:sp>
       <p:sp>
         <p:nvSpPr>
-          <p:cNvPr id="5" name="Foliennummernplatzhalter 4"/>
+          <p:cNvPr id="5" name="Fußzeilenplatzhalter 4"/>
+          <p:cNvSpPr>
+            <a:spLocks noGrp="1"/>
+          </p:cNvSpPr>
+          <p:nvPr>
+            <p:ph type="ftr" sz="quarter" idx="11"/>
+          </p:nvPr>
+        </p:nvSpPr>
+        <p:spPr/>
+        <p:txBody>
+          <a:bodyPr/>
+          <a:lstStyle/>
+          <a:p>
+            <a:r>
+              <a:rPr lang="de-DE" smtClean="0"/>
+              <a:t>TaWusel - Abschlusspräsentation</a:t>
+            </a:r>
+            <a:endParaRPr lang="de-DE"/>
+          </a:p>
+        </p:txBody>
+      </p:sp>
+      <p:sp>
+        <p:nvSpPr>
+          <p:cNvPr id="6" name="Foliennummernplatzhalter 5"/>
           <p:cNvSpPr>
             <a:spLocks noGrp="1"/>
           </p:cNvSpPr>
@@ -7336,29 +6379,32 @@
           </a:p>
         </p:txBody>
       </p:sp>
-      <p:sp>
-        <p:nvSpPr>
-          <p:cNvPr id="6" name="Fußzeilenplatzhalter 5"/>
-          <p:cNvSpPr>
-            <a:spLocks noGrp="1"/>
-          </p:cNvSpPr>
-          <p:nvPr>
-            <p:ph type="ftr" sz="quarter" idx="11"/>
-          </p:nvPr>
-        </p:nvSpPr>
-        <p:spPr/>
-        <p:txBody>
-          <a:bodyPr/>
-          <a:lstStyle/>
-          <a:p>
-            <a:r>
-              <a:rPr lang="de-DE" smtClean="0"/>
-              <a:t>TaWusel - Abschlusspräsentation</a:t>
-            </a:r>
-            <a:endParaRPr lang="de-DE"/>
-          </a:p>
-        </p:txBody>
-      </p:sp>
+      <p:pic>
+        <p:nvPicPr>
+          <p:cNvPr id="7" name="Picture 2" descr="http://icons.iconarchive.com/icons/deleket/scrap/128/Magnifying-Glass-icon.png"/>
+          <p:cNvPicPr>
+            <a:picLocks noChangeAspect="1" noChangeArrowheads="1"/>
+          </p:cNvPicPr>
+          <p:nvPr/>
+        </p:nvPicPr>
+        <p:blipFill>
+          <a:blip r:embed="rId2" cstate="print"/>
+          <a:srcRect/>
+          <a:stretch>
+            <a:fillRect/>
+          </a:stretch>
+        </p:blipFill>
+        <p:spPr bwMode="auto">
+          <a:xfrm>
+            <a:off x="7596336" y="5229200"/>
+            <a:ext cx="1219200" cy="1219201"/>
+          </a:xfrm>
+          <a:prstGeom prst="rect">
+            <a:avLst/>
+          </a:prstGeom>
+          <a:noFill/>
+        </p:spPr>
+      </p:pic>
     </p:spTree>
   </p:cSld>
   <p:clrMapOvr>

--- a/Abschluss-Praesentation/vorlage.pptx
+++ b/Abschluss-Praesentation/vorlage.pptx
@@ -17,7 +17,7 @@
     <p:sldId id="283" r:id="rId8"/>
     <p:sldId id="284" r:id="rId9"/>
     <p:sldId id="285" r:id="rId10"/>
-    <p:sldId id="287" r:id="rId11"/>
+    <p:sldId id="292" r:id="rId11"/>
     <p:sldId id="291" r:id="rId12"/>
   </p:sldIdLst>
   <p:sldSz cx="9144000" cy="6858000" type="screen4x3"/>
@@ -203,7 +203,7 @@
             <a:fld id="{3AF138D4-E06A-4D92-B176-75A0C7906805}" type="datetimeFigureOut">
               <a:rPr lang="de-DE" smtClean="0"/>
               <a:pPr/>
-              <a:t>12.07.2012</a:t>
+              <a:t>13.07.2012</a:t>
             </a:fld>
             <a:endParaRPr lang="de-DE"/>
           </a:p>
@@ -3763,46 +3763,7 @@
           <a:bodyPr/>
           <a:lstStyle/>
           <a:p>
-            <a:r>
-              <a:rPr lang="de-DE" dirty="0" smtClean="0"/>
-              <a:t>Ausblick - Integration</a:t>
-            </a:r>
-            <a:endParaRPr lang="de-DE" dirty="0"/>
-          </a:p>
-        </p:txBody>
-      </p:sp>
-      <p:sp>
-        <p:nvSpPr>
-          <p:cNvPr id="3" name="Inhaltsplatzhalter 2"/>
-          <p:cNvSpPr>
-            <a:spLocks noGrp="1"/>
-          </p:cNvSpPr>
-          <p:nvPr>
-            <p:ph idx="1"/>
-          </p:nvPr>
-        </p:nvSpPr>
-        <p:spPr/>
-        <p:txBody>
-          <a:bodyPr/>
-          <a:lstStyle/>
-          <a:p>
-            <a:r>
-              <a:rPr lang="de-DE" dirty="0" err="1" smtClean="0"/>
-              <a:t>CarMob</a:t>
-            </a:r>
-            <a:endParaRPr lang="de-DE" dirty="0" smtClean="0"/>
-          </a:p>
-          <a:p>
-            <a:pPr lvl="1"/>
-            <a:r>
-              <a:rPr lang="de-DE" dirty="0" smtClean="0"/>
-              <a:t>TODO </a:t>
-            </a:r>
-            <a:r>
-              <a:rPr lang="de-DE" dirty="0" err="1" smtClean="0"/>
-              <a:t>video</a:t>
-            </a:r>
-            <a:endParaRPr lang="de-DE" dirty="0"/>
+            <a:endParaRPr lang="de-DE"/>
           </a:p>
         </p:txBody>
       </p:sp>
@@ -3878,28 +3839,31 @@
       </p:sp>
       <p:pic>
         <p:nvPicPr>
-          <p:cNvPr id="7" name="Picture 2" descr="http://icons.iconarchive.com/icons/deleket/scrap/128/Magnifying-Glass-icon.png"/>
+          <p:cNvPr id="8" name="gource-slow.avi">
+            <a:hlinkClick r:id="" action="ppaction://media"/>
+          </p:cNvPr>
           <p:cNvPicPr>
-            <a:picLocks noChangeAspect="1" noChangeArrowheads="1"/>
+            <a:picLocks noGrp="1" noRot="1" noChangeAspect="1"/>
           </p:cNvPicPr>
-          <p:nvPr/>
+          <p:nvPr>
+            <p:ph idx="1"/>
+            <a:videoFile r:link="rId1"/>
+          </p:nvPr>
         </p:nvPicPr>
         <p:blipFill>
-          <a:blip r:embed="rId2" cstate="print"/>
-          <a:srcRect/>
+          <a:blip r:embed="rId3" cstate="print"/>
           <a:stretch>
             <a:fillRect/>
           </a:stretch>
         </p:blipFill>
-        <p:spPr bwMode="auto">
+        <p:spPr>
           <a:xfrm>
-            <a:off x="7596336" y="5229200"/>
-            <a:ext cx="1219200" cy="1219201"/>
+            <a:off x="131507" y="908720"/>
+            <a:ext cx="8832981" cy="4968552"/>
           </a:xfrm>
           <a:prstGeom prst="rect">
             <a:avLst/>
           </a:prstGeom>
-          <a:noFill/>
         </p:spPr>
       </p:pic>
     </p:spTree>
@@ -3910,7 +3874,150 @@
   <p:timing>
     <p:tnLst>
       <p:par>
-        <p:cTn id="1" dur="indefinite" restart="never" nodeType="tmRoot"/>
+        <p:cTn id="1" dur="indefinite" restart="never" nodeType="tmRoot">
+          <p:childTnLst>
+            <p:seq concurrent="1" nextAc="seek">
+              <p:cTn id="2" dur="indefinite" nodeType="mainSeq">
+                <p:childTnLst>
+                  <p:par>
+                    <p:cTn id="3" fill="hold">
+                      <p:stCondLst>
+                        <p:cond delay="indefinite"/>
+                        <p:cond evt="onBegin" delay="0">
+                          <p:tn val="2"/>
+                        </p:cond>
+                      </p:stCondLst>
+                      <p:childTnLst>
+                        <p:par>
+                          <p:cTn id="4" fill="hold">
+                            <p:stCondLst>
+                              <p:cond delay="0"/>
+                            </p:stCondLst>
+                            <p:childTnLst>
+                              <p:par>
+                                <p:cTn id="5" presetID="1" presetClass="mediacall" presetSubtype="0" fill="hold" nodeType="afterEffect">
+                                  <p:stCondLst>
+                                    <p:cond delay="0"/>
+                                  </p:stCondLst>
+                                  <p:childTnLst>
+                                    <p:cmd type="call" cmd="playFrom(0.0)">
+                                      <p:cBhvr>
+                                        <p:cTn id="6" dur="58866" fill="hold"/>
+                                        <p:tgtEl>
+                                          <p:spTgt spid="8"/>
+                                        </p:tgtEl>
+                                      </p:cBhvr>
+                                    </p:cmd>
+                                  </p:childTnLst>
+                                </p:cTn>
+                              </p:par>
+                            </p:childTnLst>
+                          </p:cTn>
+                        </p:par>
+                      </p:childTnLst>
+                    </p:cTn>
+                  </p:par>
+                </p:childTnLst>
+              </p:cTn>
+              <p:prevCondLst>
+                <p:cond evt="onPrev" delay="0">
+                  <p:tgtEl>
+                    <p:sldTgt/>
+                  </p:tgtEl>
+                </p:cond>
+              </p:prevCondLst>
+              <p:nextCondLst>
+                <p:cond evt="onNext" delay="0">
+                  <p:tgtEl>
+                    <p:sldTgt/>
+                  </p:tgtEl>
+                </p:cond>
+              </p:nextCondLst>
+            </p:seq>
+            <p:video>
+              <p:cMediaNode>
+                <p:cTn id="7" fill="hold" display="0">
+                  <p:stCondLst>
+                    <p:cond delay="indefinite"/>
+                  </p:stCondLst>
+                  <p:endCondLst>
+                    <p:cond evt="onNext" delay="0">
+                      <p:tgtEl>
+                        <p:sldTgt/>
+                      </p:tgtEl>
+                    </p:cond>
+                    <p:cond evt="onPrev" delay="0">
+                      <p:tgtEl>
+                        <p:sldTgt/>
+                      </p:tgtEl>
+                    </p:cond>
+                  </p:endCondLst>
+                </p:cTn>
+                <p:tgtEl>
+                  <p:spTgt spid="8"/>
+                </p:tgtEl>
+              </p:cMediaNode>
+            </p:video>
+            <p:seq concurrent="1" nextAc="seek">
+              <p:cTn id="8" restart="whenNotActive" fill="hold" evtFilter="cancelBubble" nodeType="interactiveSeq">
+                <p:stCondLst>
+                  <p:cond evt="onClick" delay="0">
+                    <p:tgtEl>
+                      <p:spTgt spid="8"/>
+                    </p:tgtEl>
+                  </p:cond>
+                </p:stCondLst>
+                <p:endSync evt="end" delay="0">
+                  <p:rtn val="all"/>
+                </p:endSync>
+                <p:childTnLst>
+                  <p:par>
+                    <p:cTn id="9" fill="hold">
+                      <p:stCondLst>
+                        <p:cond delay="0"/>
+                      </p:stCondLst>
+                      <p:childTnLst>
+                        <p:par>
+                          <p:cTn id="10" fill="hold">
+                            <p:stCondLst>
+                              <p:cond delay="0"/>
+                            </p:stCondLst>
+                            <p:childTnLst>
+                              <p:par>
+                                <p:cTn id="11" presetID="2" presetClass="mediacall" presetSubtype="0" fill="hold" nodeType="clickEffect">
+                                  <p:stCondLst>
+                                    <p:cond delay="0"/>
+                                  </p:stCondLst>
+                                  <p:childTnLst>
+                                    <p:cmd type="call" cmd="togglePause">
+                                      <p:cBhvr>
+                                        <p:cTn id="12" dur="1" fill="hold"/>
+                                        <p:tgtEl>
+                                          <p:spTgt spid="8"/>
+                                        </p:tgtEl>
+                                      </p:cBhvr>
+                                    </p:cmd>
+                                  </p:childTnLst>
+                                </p:cTn>
+                              </p:par>
+                            </p:childTnLst>
+                          </p:cTn>
+                        </p:par>
+                      </p:childTnLst>
+                    </p:cTn>
+                  </p:par>
+                </p:childTnLst>
+              </p:cTn>
+              <p:nextCondLst>
+                <p:cond evt="onClick" delay="0">
+                  <p:tgtEl>
+                    <p:spTgt spid="8"/>
+                  </p:tgtEl>
+                </p:cond>
+              </p:nextCondLst>
+            </p:seq>
+          </p:childTnLst>
+        </p:cTn>
       </p:par>
     </p:tnLst>
   </p:timing>
@@ -3976,7 +4083,15 @@
           <a:p>
             <a:r>
               <a:rPr lang="de-DE" dirty="0" smtClean="0"/>
-              <a:t>Für eventuelle Fragen stehen wir ihnen jetzt gerne zur Verfügung.</a:t>
+              <a:t>Für eventuelle Fragen stehen </a:t>
+            </a:r>
+            <a:r>
+              <a:rPr lang="de-DE" smtClean="0"/>
+              <a:t>wir Ihnen </a:t>
+            </a:r>
+            <a:r>
+              <a:rPr lang="de-DE" dirty="0" smtClean="0"/>
+              <a:t>jetzt gerne zur Verfügung.</a:t>
             </a:r>
             <a:endParaRPr lang="de-DE" dirty="0"/>
           </a:p>
@@ -4763,31 +4878,6 @@
       </p:sp>
       <p:sp>
         <p:nvSpPr>
-          <p:cNvPr id="3" name="Inhaltsplatzhalter 2"/>
-          <p:cNvSpPr>
-            <a:spLocks noGrp="1"/>
-          </p:cNvSpPr>
-          <p:nvPr>
-            <p:ph idx="1"/>
-          </p:nvPr>
-        </p:nvSpPr>
-        <p:spPr/>
-        <p:txBody>
-          <a:bodyPr/>
-          <a:lstStyle/>
-          <a:p>
-            <a:r>
-              <a:rPr lang="de-DE" dirty="0" smtClean="0"/>
-              <a:t>TODO Beispielvideo</a:t>
-            </a:r>
-          </a:p>
-          <a:p>
-            <a:endParaRPr lang="de-DE" dirty="0"/>
-          </a:p>
-        </p:txBody>
-      </p:sp>
-      <p:sp>
-        <p:nvSpPr>
           <p:cNvPr id="4" name="Datumsplatzhalter 3"/>
           <p:cNvSpPr>
             <a:spLocks noGrp="1"/>
@@ -4856,6 +4946,61 @@
           </a:p>
         </p:txBody>
       </p:sp>
+      <p:pic>
+        <p:nvPicPr>
+          <p:cNvPr id="7" name="Picture 2" descr="Cinema Display Diagonal blue icon"/>
+          <p:cNvPicPr>
+            <a:picLocks noChangeAspect="1" noChangeArrowheads="1"/>
+          </p:cNvPicPr>
+          <p:nvPr/>
+        </p:nvPicPr>
+        <p:blipFill>
+          <a:blip r:embed="rId3" cstate="print"/>
+          <a:srcRect/>
+          <a:stretch>
+            <a:fillRect/>
+          </a:stretch>
+        </p:blipFill>
+        <p:spPr bwMode="auto">
+          <a:xfrm>
+            <a:off x="3923928" y="2564904"/>
+            <a:ext cx="1219200" cy="1219201"/>
+          </a:xfrm>
+          <a:prstGeom prst="rect">
+            <a:avLst/>
+          </a:prstGeom>
+          <a:noFill/>
+        </p:spPr>
+      </p:pic>
+      <p:pic>
+        <p:nvPicPr>
+          <p:cNvPr id="8" name="tawusel.avi">
+            <a:hlinkClick r:id="" action="ppaction://media"/>
+          </p:cNvPr>
+          <p:cNvPicPr>
+            <a:picLocks noGrp="1" noRot="1" noChangeAspect="1"/>
+          </p:cNvPicPr>
+          <p:nvPr>
+            <p:ph idx="1"/>
+            <a:videoFile r:link="rId1"/>
+          </p:nvPr>
+        </p:nvPicPr>
+        <p:blipFill>
+          <a:blip r:embed="rId4" cstate="print"/>
+          <a:stretch>
+            <a:fillRect/>
+          </a:stretch>
+        </p:blipFill>
+        <p:spPr>
+          <a:xfrm>
+            <a:off x="50334" y="1268760"/>
+            <a:ext cx="9058170" cy="3960440"/>
+          </a:xfrm>
+          <a:prstGeom prst="rect">
+            <a:avLst/>
+          </a:prstGeom>
+        </p:spPr>
+      </p:pic>
     </p:spTree>
   </p:cSld>
   <p:clrMapOvr>
@@ -4864,7 +5009,150 @@
   <p:timing>
     <p:tnLst>
       <p:par>
-        <p:cTn id="1" dur="indefinite" restart="never" nodeType="tmRoot"/>
+        <p:cTn id="1" dur="indefinite" restart="never" nodeType="tmRoot">
+          <p:childTnLst>
+            <p:seq concurrent="1" nextAc="seek">
+              <p:cTn id="2" dur="indefinite" nodeType="mainSeq">
+                <p:childTnLst>
+                  <p:par>
+                    <p:cTn id="3" fill="hold">
+                      <p:stCondLst>
+                        <p:cond delay="indefinite"/>
+                        <p:cond evt="onBegin" delay="0">
+                          <p:tn val="2"/>
+                        </p:cond>
+                      </p:stCondLst>
+                      <p:childTnLst>
+                        <p:par>
+                          <p:cTn id="4" fill="hold">
+                            <p:stCondLst>
+                              <p:cond delay="0"/>
+                            </p:stCondLst>
+                            <p:childTnLst>
+                              <p:par>
+                                <p:cTn id="5" presetID="1" presetClass="mediacall" presetSubtype="0" fill="hold" nodeType="afterEffect">
+                                  <p:stCondLst>
+                                    <p:cond delay="0"/>
+                                  </p:stCondLst>
+                                  <p:childTnLst>
+                                    <p:cmd type="call" cmd="playFrom(0.0)">
+                                      <p:cBhvr>
+                                        <p:cTn id="6" dur="218960" fill="hold"/>
+                                        <p:tgtEl>
+                                          <p:spTgt spid="8"/>
+                                        </p:tgtEl>
+                                      </p:cBhvr>
+                                    </p:cmd>
+                                  </p:childTnLst>
+                                </p:cTn>
+                              </p:par>
+                            </p:childTnLst>
+                          </p:cTn>
+                        </p:par>
+                      </p:childTnLst>
+                    </p:cTn>
+                  </p:par>
+                </p:childTnLst>
+              </p:cTn>
+              <p:prevCondLst>
+                <p:cond evt="onPrev" delay="0">
+                  <p:tgtEl>
+                    <p:sldTgt/>
+                  </p:tgtEl>
+                </p:cond>
+              </p:prevCondLst>
+              <p:nextCondLst>
+                <p:cond evt="onNext" delay="0">
+                  <p:tgtEl>
+                    <p:sldTgt/>
+                  </p:tgtEl>
+                </p:cond>
+              </p:nextCondLst>
+            </p:seq>
+            <p:video>
+              <p:cMediaNode>
+                <p:cTn id="7" fill="hold" display="0">
+                  <p:stCondLst>
+                    <p:cond delay="indefinite"/>
+                  </p:stCondLst>
+                  <p:endCondLst>
+                    <p:cond evt="onNext" delay="0">
+                      <p:tgtEl>
+                        <p:sldTgt/>
+                      </p:tgtEl>
+                    </p:cond>
+                    <p:cond evt="onPrev" delay="0">
+                      <p:tgtEl>
+                        <p:sldTgt/>
+                      </p:tgtEl>
+                    </p:cond>
+                  </p:endCondLst>
+                </p:cTn>
+                <p:tgtEl>
+                  <p:spTgt spid="8"/>
+                </p:tgtEl>
+              </p:cMediaNode>
+            </p:video>
+            <p:seq concurrent="1" nextAc="seek">
+              <p:cTn id="8" restart="whenNotActive" fill="hold" evtFilter="cancelBubble" nodeType="interactiveSeq">
+                <p:stCondLst>
+                  <p:cond evt="onClick" delay="0">
+                    <p:tgtEl>
+                      <p:spTgt spid="8"/>
+                    </p:tgtEl>
+                  </p:cond>
+                </p:stCondLst>
+                <p:endSync evt="end" delay="0">
+                  <p:rtn val="all"/>
+                </p:endSync>
+                <p:childTnLst>
+                  <p:par>
+                    <p:cTn id="9" fill="hold">
+                      <p:stCondLst>
+                        <p:cond delay="0"/>
+                      </p:stCondLst>
+                      <p:childTnLst>
+                        <p:par>
+                          <p:cTn id="10" fill="hold">
+                            <p:stCondLst>
+                              <p:cond delay="0"/>
+                            </p:stCondLst>
+                            <p:childTnLst>
+                              <p:par>
+                                <p:cTn id="11" presetID="2" presetClass="mediacall" presetSubtype="0" fill="hold" nodeType="clickEffect">
+                                  <p:stCondLst>
+                                    <p:cond delay="0"/>
+                                  </p:stCondLst>
+                                  <p:childTnLst>
+                                    <p:cmd type="call" cmd="togglePause">
+                                      <p:cBhvr>
+                                        <p:cTn id="12" dur="1" fill="hold"/>
+                                        <p:tgtEl>
+                                          <p:spTgt spid="8"/>
+                                        </p:tgtEl>
+                                      </p:cBhvr>
+                                    </p:cmd>
+                                  </p:childTnLst>
+                                </p:cTn>
+                              </p:par>
+                            </p:childTnLst>
+                          </p:cTn>
+                        </p:par>
+                      </p:childTnLst>
+                    </p:cTn>
+                  </p:par>
+                </p:childTnLst>
+              </p:cTn>
+              <p:nextCondLst>
+                <p:cond evt="onClick" delay="0">
+                  <p:tgtEl>
+                    <p:spTgt spid="8"/>
+                  </p:tgtEl>
+                </p:cond>
+              </p:nextCondLst>
+            </p:seq>
+          </p:childTnLst>
+        </p:cTn>
       </p:par>
     </p:tnLst>
   </p:timing>
@@ -4933,29 +5221,6 @@
       </p:sp>
       <p:sp>
         <p:nvSpPr>
-          <p:cNvPr id="3" name="Inhaltsplatzhalter 2"/>
-          <p:cNvSpPr>
-            <a:spLocks noGrp="1"/>
-          </p:cNvSpPr>
-          <p:nvPr>
-            <p:ph idx="1"/>
-          </p:nvPr>
-        </p:nvSpPr>
-        <p:spPr/>
-        <p:txBody>
-          <a:bodyPr/>
-          <a:lstStyle/>
-          <a:p>
-            <a:r>
-              <a:rPr lang="de-DE" dirty="0" smtClean="0"/>
-              <a:t>TODO Beispielvideo</a:t>
-            </a:r>
-            <a:endParaRPr lang="de-DE" dirty="0"/>
-          </a:p>
-        </p:txBody>
-      </p:sp>
-      <p:sp>
-        <p:nvSpPr>
           <p:cNvPr id="4" name="Datumsplatzhalter 3"/>
           <p:cNvSpPr>
             <a:spLocks noGrp="1"/>
@@ -5024,6 +5289,61 @@
           </a:p>
         </p:txBody>
       </p:sp>
+      <p:pic>
+        <p:nvPicPr>
+          <p:cNvPr id="8194" name="Picture 2" descr="Cinema Display Diagonal blue icon"/>
+          <p:cNvPicPr>
+            <a:picLocks noChangeAspect="1" noChangeArrowheads="1"/>
+          </p:cNvPicPr>
+          <p:nvPr/>
+        </p:nvPicPr>
+        <p:blipFill>
+          <a:blip r:embed="rId3" cstate="print"/>
+          <a:srcRect/>
+          <a:stretch>
+            <a:fillRect/>
+          </a:stretch>
+        </p:blipFill>
+        <p:spPr bwMode="auto">
+          <a:xfrm>
+            <a:off x="3923928" y="2564904"/>
+            <a:ext cx="1219200" cy="1219201"/>
+          </a:xfrm>
+          <a:prstGeom prst="rect">
+            <a:avLst/>
+          </a:prstGeom>
+          <a:noFill/>
+        </p:spPr>
+      </p:pic>
+      <p:pic>
+        <p:nvPicPr>
+          <p:cNvPr id="8" name="tawusel-droid.avi">
+            <a:hlinkClick r:id="" action="ppaction://media"/>
+          </p:cNvPr>
+          <p:cNvPicPr>
+            <a:picLocks noGrp="1" noRot="1" noChangeAspect="1"/>
+          </p:cNvPicPr>
+          <p:nvPr>
+            <p:ph idx="1"/>
+            <a:videoFile r:link="rId1"/>
+          </p:nvPr>
+        </p:nvPicPr>
+        <p:blipFill>
+          <a:blip r:embed="rId4" cstate="print"/>
+          <a:stretch>
+            <a:fillRect/>
+          </a:stretch>
+        </p:blipFill>
+        <p:spPr>
+          <a:xfrm>
+            <a:off x="2843808" y="836712"/>
+            <a:ext cx="3405178" cy="5472608"/>
+          </a:xfrm>
+          <a:prstGeom prst="rect">
+            <a:avLst/>
+          </a:prstGeom>
+        </p:spPr>
+      </p:pic>
     </p:spTree>
   </p:cSld>
   <p:clrMapOvr>
@@ -5032,7 +5352,150 @@
   <p:timing>
     <p:tnLst>
       <p:par>
-        <p:cTn id="1" dur="indefinite" restart="never" nodeType="tmRoot"/>
+        <p:cTn id="1" dur="indefinite" restart="never" nodeType="tmRoot">
+          <p:childTnLst>
+            <p:seq concurrent="1" nextAc="seek">
+              <p:cTn id="2" dur="indefinite" nodeType="mainSeq">
+                <p:childTnLst>
+                  <p:par>
+                    <p:cTn id="3" fill="hold">
+                      <p:stCondLst>
+                        <p:cond delay="indefinite"/>
+                        <p:cond evt="onBegin" delay="0">
+                          <p:tn val="2"/>
+                        </p:cond>
+                      </p:stCondLst>
+                      <p:childTnLst>
+                        <p:par>
+                          <p:cTn id="4" fill="hold">
+                            <p:stCondLst>
+                              <p:cond delay="0"/>
+                            </p:stCondLst>
+                            <p:childTnLst>
+                              <p:par>
+                                <p:cTn id="5" presetID="1" presetClass="mediacall" presetSubtype="0" fill="hold" nodeType="afterEffect">
+                                  <p:stCondLst>
+                                    <p:cond delay="0"/>
+                                  </p:stCondLst>
+                                  <p:childTnLst>
+                                    <p:cmd type="call" cmd="playFrom(0.0)">
+                                      <p:cBhvr>
+                                        <p:cTn id="6" dur="101200" fill="hold"/>
+                                        <p:tgtEl>
+                                          <p:spTgt spid="8"/>
+                                        </p:tgtEl>
+                                      </p:cBhvr>
+                                    </p:cmd>
+                                  </p:childTnLst>
+                                </p:cTn>
+                              </p:par>
+                            </p:childTnLst>
+                          </p:cTn>
+                        </p:par>
+                      </p:childTnLst>
+                    </p:cTn>
+                  </p:par>
+                </p:childTnLst>
+              </p:cTn>
+              <p:prevCondLst>
+                <p:cond evt="onPrev" delay="0">
+                  <p:tgtEl>
+                    <p:sldTgt/>
+                  </p:tgtEl>
+                </p:cond>
+              </p:prevCondLst>
+              <p:nextCondLst>
+                <p:cond evt="onNext" delay="0">
+                  <p:tgtEl>
+                    <p:sldTgt/>
+                  </p:tgtEl>
+                </p:cond>
+              </p:nextCondLst>
+            </p:seq>
+            <p:video>
+              <p:cMediaNode>
+                <p:cTn id="7" fill="hold" display="0">
+                  <p:stCondLst>
+                    <p:cond delay="indefinite"/>
+                  </p:stCondLst>
+                  <p:endCondLst>
+                    <p:cond evt="onNext" delay="0">
+                      <p:tgtEl>
+                        <p:sldTgt/>
+                      </p:tgtEl>
+                    </p:cond>
+                    <p:cond evt="onPrev" delay="0">
+                      <p:tgtEl>
+                        <p:sldTgt/>
+                      </p:tgtEl>
+                    </p:cond>
+                  </p:endCondLst>
+                </p:cTn>
+                <p:tgtEl>
+                  <p:spTgt spid="8"/>
+                </p:tgtEl>
+              </p:cMediaNode>
+            </p:video>
+            <p:seq concurrent="1" nextAc="seek">
+              <p:cTn id="8" restart="whenNotActive" fill="hold" evtFilter="cancelBubble" nodeType="interactiveSeq">
+                <p:stCondLst>
+                  <p:cond evt="onClick" delay="0">
+                    <p:tgtEl>
+                      <p:spTgt spid="8"/>
+                    </p:tgtEl>
+                  </p:cond>
+                </p:stCondLst>
+                <p:endSync evt="end" delay="0">
+                  <p:rtn val="all"/>
+                </p:endSync>
+                <p:childTnLst>
+                  <p:par>
+                    <p:cTn id="9" fill="hold">
+                      <p:stCondLst>
+                        <p:cond delay="0"/>
+                      </p:stCondLst>
+                      <p:childTnLst>
+                        <p:par>
+                          <p:cTn id="10" fill="hold">
+                            <p:stCondLst>
+                              <p:cond delay="0"/>
+                            </p:stCondLst>
+                            <p:childTnLst>
+                              <p:par>
+                                <p:cTn id="11" presetID="2" presetClass="mediacall" presetSubtype="0" fill="hold" nodeType="clickEffect">
+                                  <p:stCondLst>
+                                    <p:cond delay="0"/>
+                                  </p:stCondLst>
+                                  <p:childTnLst>
+                                    <p:cmd type="call" cmd="togglePause">
+                                      <p:cBhvr>
+                                        <p:cTn id="12" dur="1" fill="hold"/>
+                                        <p:tgtEl>
+                                          <p:spTgt spid="8"/>
+                                        </p:tgtEl>
+                                      </p:cBhvr>
+                                    </p:cmd>
+                                  </p:childTnLst>
+                                </p:cTn>
+                              </p:par>
+                            </p:childTnLst>
+                          </p:cTn>
+                        </p:par>
+                      </p:childTnLst>
+                    </p:cTn>
+                  </p:par>
+                </p:childTnLst>
+              </p:cTn>
+              <p:nextCondLst>
+                <p:cond evt="onClick" delay="0">
+                  <p:tgtEl>
+                    <p:spTgt spid="8"/>
+                  </p:tgtEl>
+                </p:cond>
+              </p:nextCondLst>
+            </p:seq>
+          </p:childTnLst>
+        </p:cTn>
       </p:par>
     </p:tnLst>
   </p:timing>
@@ -6301,8 +6764,27 @@
             </a:r>
             <a:r>
               <a:rPr lang="de-DE" dirty="0" smtClean="0"/>
-              <a:t> für das anbieten einer Mitfahrgelegenheit</a:t>
-            </a:r>
+              <a:t> für das anbieten einer </a:t>
+            </a:r>
+            <a:r>
+              <a:rPr lang="de-DE" dirty="0" smtClean="0"/>
+              <a:t>Mitfahrgelegenheit</a:t>
+            </a:r>
+          </a:p>
+          <a:p>
+            <a:r>
+              <a:rPr lang="de-DE" dirty="0" err="1" smtClean="0"/>
+              <a:t>CarMob</a:t>
+            </a:r>
+            <a:endParaRPr lang="de-DE" dirty="0" smtClean="0"/>
+          </a:p>
+          <a:p>
+            <a:pPr lvl="1"/>
+            <a:r>
+              <a:rPr lang="de-DE" dirty="0" smtClean="0"/>
+              <a:t>Taxifahrt automatisch eintragen</a:t>
+            </a:r>
+            <a:endParaRPr lang="de-DE" dirty="0" smtClean="0"/>
           </a:p>
           <a:p>
             <a:endParaRPr lang="de-DE" dirty="0"/>
